--- a/宣道詩/(宣道詩263) 聖餐.pptx
+++ b/宣道詩/(宣道詩263) 聖餐.pptx
@@ -5,16 +5,25 @@
     <p:sldMasterId id="2147483660" r:id="rId1"/>
   </p:sldMasterIdLst>
   <p:notesMasterIdLst>
-    <p:notesMasterId r:id="rId6"/>
+    <p:notesMasterId r:id="rId15"/>
   </p:notesMasterIdLst>
   <p:handoutMasterIdLst>
-    <p:handoutMasterId r:id="rId7"/>
+    <p:handoutMasterId r:id="rId16"/>
   </p:handoutMasterIdLst>
   <p:sldIdLst>
-    <p:sldId id="1609" r:id="rId2"/>
-    <p:sldId id="1610" r:id="rId3"/>
-    <p:sldId id="1611" r:id="rId4"/>
-    <p:sldId id="1612" r:id="rId5"/>
+    <p:sldId id="1613" r:id="rId2"/>
+    <p:sldId id="1614" r:id="rId3"/>
+    <p:sldId id="1615" r:id="rId4"/>
+    <p:sldId id="1617" r:id="rId5"/>
+    <p:sldId id="1618" r:id="rId6"/>
+    <p:sldId id="1619" r:id="rId7"/>
+    <p:sldId id="1620" r:id="rId8"/>
+    <p:sldId id="1621" r:id="rId9"/>
+    <p:sldId id="1622" r:id="rId10"/>
+    <p:sldId id="1623" r:id="rId11"/>
+    <p:sldId id="1624" r:id="rId12"/>
+    <p:sldId id="1625" r:id="rId13"/>
+    <p:sldId id="1626" r:id="rId14"/>
   </p:sldIdLst>
   <p:sldSz cx="12192000" cy="6858000"/>
   <p:notesSz cx="6858000" cy="9144000"/>
@@ -3720,7 +3729,7 @@
       </p:grpSpPr>
       <p:sp>
         <p:nvSpPr>
-          <p:cNvPr id="4" name="Title 3"/>
+          <p:cNvPr id="4" name="標題 3"/>
           <p:cNvSpPr>
             <a:spLocks noGrp="1"/>
           </p:cNvSpPr>
@@ -3728,365 +3737,311 @@
             <p:ph type="title"/>
           </p:nvPr>
         </p:nvSpPr>
-        <p:spPr/>
+        <p:spPr>
+          <a:xfrm>
+            <a:off x="0" y="2660915"/>
+            <a:ext cx="12192000" cy="1143000"/>
+          </a:xfrm>
+        </p:spPr>
         <p:txBody>
           <a:bodyPr>
+            <a:noAutofit/>
+          </a:bodyPr>
+          <a:lstStyle/>
+          <a:p>
+            <a:r>
+              <a:rPr lang="zh-CN" altLang="en-US" sz="5333" b="1" u="sng" dirty="0">
+                <a:solidFill>
+                  <a:srgbClr val="000066"/>
+                </a:solidFill>
+                <a:effectLst>
+                  <a:outerShdw blurRad="38100" dist="38100" dir="2700000" algn="tl">
+                    <a:srgbClr val="000000">
+                      <a:alpha val="43137"/>
+                    </a:srgbClr>
+                  </a:outerShdw>
+                </a:effectLst>
+                <a:latin typeface="微軟正黑體" pitchFamily="34" charset="-120"/>
+                <a:ea typeface="微軟正黑體" pitchFamily="34" charset="-120"/>
+              </a:rPr>
+              <a:t>宣道詩 </a:t>
+            </a:r>
+            <a:r>
+              <a:rPr lang="en-US" altLang="zh-CN" sz="5333" b="1" u="sng" dirty="0" smtClean="0">
+                <a:solidFill>
+                  <a:srgbClr val="000066"/>
+                </a:solidFill>
+                <a:effectLst>
+                  <a:outerShdw blurRad="38100" dist="38100" dir="2700000" algn="tl">
+                    <a:srgbClr val="000000">
+                      <a:alpha val="43137"/>
+                    </a:srgbClr>
+                  </a:outerShdw>
+                </a:effectLst>
+                <a:latin typeface="微軟正黑體" pitchFamily="34" charset="-120"/>
+                <a:ea typeface="微軟正黑體" pitchFamily="34" charset="-120"/>
+              </a:rPr>
+              <a:t>263</a:t>
+            </a:r>
+            <a:r>
+              <a:rPr lang="en-US" altLang="zh-CN" sz="7200" b="1" i="1" dirty="0">
+                <a:solidFill>
+                  <a:srgbClr val="660033"/>
+                </a:solidFill>
+                <a:effectLst>
+                  <a:outerShdw blurRad="38100" dist="38100" dir="2700000" algn="tl">
+                    <a:srgbClr val="000000">
+                      <a:alpha val="43137"/>
+                    </a:srgbClr>
+                  </a:outerShdw>
+                </a:effectLst>
+                <a:latin typeface="微軟正黑體" pitchFamily="34" charset="-120"/>
+                <a:ea typeface="微軟正黑體" pitchFamily="34" charset="-120"/>
+              </a:rPr>
+              <a:t/>
+            </a:r>
+            <a:br>
+              <a:rPr lang="en-US" altLang="zh-CN" sz="7200" b="1" i="1" dirty="0">
+                <a:solidFill>
+                  <a:srgbClr val="660033"/>
+                </a:solidFill>
+                <a:effectLst>
+                  <a:outerShdw blurRad="38100" dist="38100" dir="2700000" algn="tl">
+                    <a:srgbClr val="000000">
+                      <a:alpha val="43137"/>
+                    </a:srgbClr>
+                  </a:outerShdw>
+                </a:effectLst>
+                <a:latin typeface="微軟正黑體" pitchFamily="34" charset="-120"/>
+                <a:ea typeface="微軟正黑體" pitchFamily="34" charset="-120"/>
+              </a:rPr>
+            </a:br>
+            <a:r>
+              <a:rPr lang="zh-CN" altLang="en-US" sz="8000" b="1" dirty="0" smtClean="0">
+                <a:solidFill>
+                  <a:srgbClr val="660033"/>
+                </a:solidFill>
+                <a:effectLst>
+                  <a:outerShdw blurRad="38100" dist="38100" dir="2700000" algn="tl">
+                    <a:srgbClr val="000000">
+                      <a:alpha val="43137"/>
+                    </a:srgbClr>
+                  </a:outerShdw>
+                </a:effectLst>
+                <a:latin typeface="微軟正黑體" pitchFamily="34" charset="-120"/>
+                <a:ea typeface="微軟正黑體" pitchFamily="34" charset="-120"/>
+              </a:rPr>
+              <a:t>聖</a:t>
+            </a:r>
+            <a:r>
+              <a:rPr lang="zh-CN" altLang="en-US" sz="8000" b="1" dirty="0">
+                <a:solidFill>
+                  <a:srgbClr val="660033"/>
+                </a:solidFill>
+                <a:effectLst>
+                  <a:outerShdw blurRad="38100" dist="38100" dir="2700000" algn="tl">
+                    <a:srgbClr val="000000">
+                      <a:alpha val="43137"/>
+                    </a:srgbClr>
+                  </a:outerShdw>
+                </a:effectLst>
+                <a:latin typeface="微軟正黑體" pitchFamily="34" charset="-120"/>
+                <a:ea typeface="微軟正黑體" pitchFamily="34" charset="-120"/>
+              </a:rPr>
+              <a:t>餐</a:t>
+            </a:r>
+            <a:endParaRPr lang="zh-TW" altLang="en-US" sz="8000" b="1" dirty="0">
+              <a:solidFill>
+                <a:srgbClr val="660033"/>
+              </a:solidFill>
+              <a:effectLst>
+                <a:outerShdw blurRad="38100" dist="38100" dir="2700000" algn="tl">
+                  <a:srgbClr val="000000">
+                    <a:alpha val="43137"/>
+                  </a:srgbClr>
+                </a:outerShdw>
+              </a:effectLst>
+              <a:latin typeface="微軟正黑體" pitchFamily="34" charset="-120"/>
+              <a:ea typeface="微軟正黑體" pitchFamily="34" charset="-120"/>
+            </a:endParaRPr>
+          </a:p>
+        </p:txBody>
+      </p:sp>
+    </p:spTree>
+    <p:extLst>
+      <p:ext uri="{BB962C8B-B14F-4D97-AF65-F5344CB8AC3E}">
+        <p14:creationId xmlns:p14="http://schemas.microsoft.com/office/powerpoint/2010/main" val="2108770980"/>
+      </p:ext>
+    </p:extLst>
+  </p:cSld>
+  <p:clrMapOvr>
+    <a:masterClrMapping/>
+  </p:clrMapOvr>
+  <p:timing>
+    <p:tnLst>
+      <p:par>
+        <p:cTn id="1" dur="indefinite" restart="never" nodeType="tmRoot"/>
+      </p:par>
+    </p:tnLst>
+  </p:timing>
+</p:sld>
+</file>
+
+<file path=ppt/slides/slide10.xml><?xml version="1.0" encoding="utf-8"?>
+<p:sld xmlns:a="http://schemas.openxmlformats.org/drawingml/2006/main" xmlns:r="http://schemas.openxmlformats.org/officeDocument/2006/relationships" xmlns:p="http://schemas.openxmlformats.org/presentationml/2006/main">
+  <p:cSld>
+    <p:spTree>
+      <p:nvGrpSpPr>
+        <p:cNvPr id="1" name=""/>
+        <p:cNvGrpSpPr/>
+        <p:nvPr/>
+      </p:nvGrpSpPr>
+      <p:grpSpPr>
+        <a:xfrm>
+          <a:off x="0" y="0"/>
+          <a:ext cx="0" cy="0"/>
+          <a:chOff x="0" y="0"/>
+          <a:chExt cx="0" cy="0"/>
+        </a:xfrm>
+      </p:grpSpPr>
+      <p:sp>
+        <p:nvSpPr>
+          <p:cNvPr id="5" name="內容版面配置區 4"/>
+          <p:cNvSpPr>
+            <a:spLocks noGrp="1"/>
+          </p:cNvSpPr>
+          <p:nvPr>
+            <p:ph idx="1"/>
+          </p:nvPr>
+        </p:nvSpPr>
+        <p:spPr>
+          <a:xfrm>
+            <a:off x="0" y="2084851"/>
+            <a:ext cx="12192000" cy="2404863"/>
+          </a:xfrm>
+        </p:spPr>
+        <p:txBody>
+          <a:bodyPr anchor="ctr">
             <a:normAutofit/>
           </a:bodyPr>
           <a:lstStyle/>
           <a:p>
-            <a:r>
-              <a:rPr lang="en-US" altLang="zh-CN" sz="4800" b="1" dirty="0">
-                <a:solidFill>
-                  <a:srgbClr val="002060"/>
-                </a:solidFill>
-                <a:latin typeface="Microsoft JhengHei" panose="020B0604030504040204" pitchFamily="34" charset="-120"/>
-                <a:ea typeface="Microsoft JhengHei" panose="020B0604030504040204" pitchFamily="34" charset="-120"/>
-              </a:rPr>
-              <a:t>【</a:t>
-            </a:r>
-            <a:r>
-              <a:rPr lang="zh-CN" altLang="en-US" sz="4800" b="1" dirty="0">
-                <a:solidFill>
-                  <a:srgbClr val="002060"/>
-                </a:solidFill>
-                <a:latin typeface="Microsoft JhengHei" panose="020B0604030504040204" pitchFamily="34" charset="-120"/>
-                <a:ea typeface="Microsoft JhengHei" panose="020B0604030504040204" pitchFamily="34" charset="-120"/>
-              </a:rPr>
-              <a:t>聖餐</a:t>
-            </a:r>
-            <a:r>
-              <a:rPr lang="en-US" altLang="zh-CN" sz="4800" b="1" dirty="0">
-                <a:solidFill>
-                  <a:srgbClr val="002060"/>
-                </a:solidFill>
-                <a:latin typeface="Microsoft JhengHei" panose="020B0604030504040204" pitchFamily="34" charset="-120"/>
-                <a:ea typeface="Microsoft JhengHei" panose="020B0604030504040204" pitchFamily="34" charset="-120"/>
-              </a:rPr>
-              <a:t>】</a:t>
-            </a:r>
-          </a:p>
-        </p:txBody>
-      </p:sp>
-      <p:sp>
-        <p:nvSpPr>
-          <p:cNvPr id="5" name="Content Placeholder 4"/>
-          <p:cNvSpPr>
-            <a:spLocks noGrp="1"/>
-          </p:cNvSpPr>
-          <p:nvPr>
-            <p:ph idx="1"/>
-          </p:nvPr>
+            <a:pPr marL="0" indent="0" algn="ctr">
+              <a:buNone/>
+            </a:pPr>
+            <a:r>
+              <a:rPr lang="zh-CN" altLang="zh-TW" sz="6400" b="1" dirty="0">
+                <a:solidFill>
+                  <a:srgbClr val="660033"/>
+                </a:solidFill>
+                <a:latin typeface="Microsoft JhengHei" pitchFamily="34" charset="-120"/>
+                <a:ea typeface="Microsoft JhengHei" pitchFamily="34" charset="-120"/>
+              </a:rPr>
+              <a:t>受這大苦寶血流</a:t>
+            </a:r>
+            <a:r>
+              <a:rPr lang="zh-CN" altLang="zh-TW" sz="6400" b="1" dirty="0">
+                <a:solidFill>
+                  <a:srgbClr val="660033"/>
+                </a:solidFill>
+                <a:latin typeface="Microsoft JhengHei" pitchFamily="34" charset="-120"/>
+                <a:ea typeface="Microsoft JhengHei" pitchFamily="34" charset="-120"/>
+              </a:rPr>
+              <a:t>出</a:t>
+            </a:r>
+            <a:endParaRPr lang="en-US" altLang="zh-CN" sz="6400" b="1" dirty="0">
+              <a:solidFill>
+                <a:srgbClr val="660033"/>
+              </a:solidFill>
+              <a:latin typeface="Microsoft JhengHei" pitchFamily="34" charset="-120"/>
+              <a:ea typeface="Microsoft JhengHei" pitchFamily="34" charset="-120"/>
+            </a:endParaRPr>
+          </a:p>
+          <a:p>
+            <a:pPr marL="0" indent="0" algn="ctr">
+              <a:buNone/>
+            </a:pPr>
+            <a:r>
+              <a:rPr lang="zh-CN" altLang="zh-TW" sz="6400" b="1" dirty="0">
+                <a:solidFill>
+                  <a:srgbClr val="660033"/>
+                </a:solidFill>
+                <a:latin typeface="Microsoft JhengHei" pitchFamily="34" charset="-120"/>
+                <a:ea typeface="Microsoft JhengHei" pitchFamily="34" charset="-120"/>
+              </a:rPr>
+              <a:t>今</a:t>
+            </a:r>
+            <a:r>
+              <a:rPr lang="zh-CN" altLang="zh-TW" sz="6400" b="1" dirty="0">
+                <a:solidFill>
+                  <a:srgbClr val="660033"/>
+                </a:solidFill>
+                <a:latin typeface="Microsoft JhengHei" pitchFamily="34" charset="-120"/>
+                <a:ea typeface="Microsoft JhengHei" pitchFamily="34" charset="-120"/>
+              </a:rPr>
+              <a:t>我無苦可受</a:t>
+            </a:r>
+          </a:p>
+        </p:txBody>
+      </p:sp>
+      <p:sp>
+        <p:nvSpPr>
+          <p:cNvPr id="3" name="TextBox 2"/>
+          <p:cNvSpPr txBox="1"/>
+          <p:nvPr/>
         </p:nvSpPr>
         <p:spPr>
           <a:xfrm>
-            <a:off x="0" y="1600203"/>
-            <a:ext cx="12192000" cy="5257797"/>
-          </a:xfrm>
-        </p:spPr>
-        <p:txBody>
-          <a:bodyPr>
-            <a:normAutofit/>
-          </a:bodyPr>
-          <a:lstStyle/>
-          <a:p>
-            <a:pPr marL="0" indent="0" algn="ctr">
-              <a:buNone/>
-            </a:pPr>
-            <a:r>
-              <a:rPr lang="zh-CN" altLang="zh-TW" sz="5400" b="1" dirty="0">
-                <a:solidFill>
-                  <a:srgbClr val="002060"/>
-                </a:solidFill>
-                <a:latin typeface="Microsoft JhengHei" panose="020B0604030504040204" pitchFamily="34" charset="-120"/>
-                <a:ea typeface="Microsoft JhengHei" panose="020B0604030504040204" pitchFamily="34" charset="-120"/>
-              </a:rPr>
-              <a:t>哀哉基督受苦何</a:t>
-            </a:r>
-            <a:r>
-              <a:rPr lang="zh-CN" altLang="zh-TW" sz="5400" b="1" dirty="0" smtClean="0">
-                <a:solidFill>
-                  <a:srgbClr val="002060"/>
-                </a:solidFill>
-                <a:latin typeface="Microsoft JhengHei" panose="020B0604030504040204" pitchFamily="34" charset="-120"/>
-                <a:ea typeface="Microsoft JhengHei" panose="020B0604030504040204" pitchFamily="34" charset="-120"/>
-              </a:rPr>
-              <a:t>深</a:t>
-            </a:r>
-            <a:r>
-              <a:rPr lang="en-US" altLang="zh-CN" sz="5400" b="1" dirty="0" smtClean="0">
-                <a:solidFill>
-                  <a:srgbClr val="002060"/>
-                </a:solidFill>
-                <a:latin typeface="Microsoft JhengHei" panose="020B0604030504040204" pitchFamily="34" charset="-120"/>
-                <a:ea typeface="Microsoft JhengHei" panose="020B0604030504040204" pitchFamily="34" charset="-120"/>
-              </a:rPr>
-              <a:t>  </a:t>
-            </a:r>
-            <a:r>
-              <a:rPr lang="zh-CN" altLang="zh-TW" sz="5400" b="1" dirty="0" smtClean="0">
-                <a:solidFill>
-                  <a:srgbClr val="002060"/>
-                </a:solidFill>
-                <a:latin typeface="Microsoft JhengHei" panose="020B0604030504040204" pitchFamily="34" charset="-120"/>
-                <a:ea typeface="Microsoft JhengHei" panose="020B0604030504040204" pitchFamily="34" charset="-120"/>
-              </a:rPr>
-              <a:t>替</a:t>
-            </a:r>
-            <a:r>
-              <a:rPr lang="zh-CN" altLang="zh-TW" sz="5400" b="1" dirty="0">
-                <a:solidFill>
-                  <a:srgbClr val="002060"/>
-                </a:solidFill>
-                <a:latin typeface="Microsoft JhengHei" panose="020B0604030504040204" pitchFamily="34" charset="-120"/>
-                <a:ea typeface="Microsoft JhengHei" panose="020B0604030504040204" pitchFamily="34" charset="-120"/>
-              </a:rPr>
-              <a:t>我脫離重擔</a:t>
-            </a:r>
-          </a:p>
-          <a:p>
-            <a:pPr marL="0" indent="0" algn="ctr">
-              <a:buNone/>
-            </a:pPr>
-            <a:r>
-              <a:rPr lang="zh-CN" altLang="zh-TW" sz="5400" b="1" dirty="0">
-                <a:solidFill>
-                  <a:srgbClr val="002060"/>
-                </a:solidFill>
-                <a:latin typeface="Microsoft JhengHei" panose="020B0604030504040204" pitchFamily="34" charset="-120"/>
-                <a:ea typeface="Microsoft JhengHei" panose="020B0604030504040204" pitchFamily="34" charset="-120"/>
-              </a:rPr>
-              <a:t>主替罪人獻上己</a:t>
-            </a:r>
-            <a:r>
-              <a:rPr lang="zh-CN" altLang="zh-TW" sz="5400" b="1" dirty="0" smtClean="0">
-                <a:solidFill>
-                  <a:srgbClr val="002060"/>
-                </a:solidFill>
-                <a:latin typeface="Microsoft JhengHei" panose="020B0604030504040204" pitchFamily="34" charset="-120"/>
-                <a:ea typeface="Microsoft JhengHei" panose="020B0604030504040204" pitchFamily="34" charset="-120"/>
-              </a:rPr>
-              <a:t>身</a:t>
-            </a:r>
-            <a:r>
-              <a:rPr lang="en-US" altLang="zh-CN" sz="5400" b="1" dirty="0" smtClean="0">
-                <a:solidFill>
-                  <a:srgbClr val="002060"/>
-                </a:solidFill>
-                <a:latin typeface="Microsoft JhengHei" panose="020B0604030504040204" pitchFamily="34" charset="-120"/>
-                <a:ea typeface="Microsoft JhengHei" panose="020B0604030504040204" pitchFamily="34" charset="-120"/>
-              </a:rPr>
-              <a:t>  </a:t>
-            </a:r>
-            <a:r>
-              <a:rPr lang="zh-CN" altLang="zh-TW" sz="5400" b="1" dirty="0" smtClean="0">
-                <a:solidFill>
-                  <a:srgbClr val="002060"/>
-                </a:solidFill>
-                <a:latin typeface="Microsoft JhengHei" panose="020B0604030504040204" pitchFamily="34" charset="-120"/>
-                <a:ea typeface="Microsoft JhengHei" panose="020B0604030504040204" pitchFamily="34" charset="-120"/>
-              </a:rPr>
-              <a:t>替</a:t>
-            </a:r>
-            <a:r>
-              <a:rPr lang="zh-CN" altLang="zh-TW" sz="5400" b="1" dirty="0">
-                <a:solidFill>
-                  <a:srgbClr val="002060"/>
-                </a:solidFill>
-                <a:latin typeface="Microsoft JhengHei" panose="020B0604030504040204" pitchFamily="34" charset="-120"/>
-                <a:ea typeface="Microsoft JhengHei" panose="020B0604030504040204" pitchFamily="34" charset="-120"/>
-              </a:rPr>
-              <a:t>我受苦受</a:t>
-            </a:r>
-            <a:r>
-              <a:rPr lang="zh-CN" altLang="zh-TW" sz="5400" b="1" dirty="0" smtClean="0">
-                <a:solidFill>
-                  <a:srgbClr val="002060"/>
-                </a:solidFill>
-                <a:latin typeface="Microsoft JhengHei" panose="020B0604030504040204" pitchFamily="34" charset="-120"/>
-                <a:ea typeface="Microsoft JhengHei" panose="020B0604030504040204" pitchFamily="34" charset="-120"/>
-              </a:rPr>
-              <a:t>難</a:t>
-            </a:r>
-            <a:endParaRPr lang="en-US" altLang="zh-CN" sz="5400" b="1" dirty="0" smtClean="0">
-              <a:solidFill>
-                <a:srgbClr val="002060"/>
-              </a:solidFill>
-              <a:latin typeface="Microsoft JhengHei" panose="020B0604030504040204" pitchFamily="34" charset="-120"/>
-              <a:ea typeface="Microsoft JhengHei" panose="020B0604030504040204" pitchFamily="34" charset="-120"/>
-            </a:endParaRPr>
-          </a:p>
-          <a:p>
-            <a:pPr marL="0" indent="0" algn="ctr">
-              <a:buNone/>
-            </a:pPr>
-            <a:r>
-              <a:rPr lang="zh-CN" altLang="zh-TW" sz="5400" b="1" dirty="0">
-                <a:solidFill>
-                  <a:srgbClr val="002060"/>
-                </a:solidFill>
-                <a:latin typeface="Microsoft JhengHei" panose="020B0604030504040204" pitchFamily="34" charset="-120"/>
-                <a:ea typeface="Microsoft JhengHei" panose="020B0604030504040204" pitchFamily="34" charset="-120"/>
-              </a:rPr>
-              <a:t>成為犧牲甘入死</a:t>
-            </a:r>
-            <a:r>
-              <a:rPr lang="zh-CN" altLang="zh-TW" sz="5400" b="1" dirty="0">
-                <a:solidFill>
-                  <a:srgbClr val="002060"/>
-                </a:solidFill>
-                <a:latin typeface="Microsoft JhengHei" panose="020B0604030504040204" pitchFamily="34" charset="-120"/>
-                <a:ea typeface="Microsoft JhengHei" panose="020B0604030504040204" pitchFamily="34" charset="-120"/>
-              </a:rPr>
-              <a:t>門</a:t>
-            </a:r>
-            <a:r>
-              <a:rPr lang="en-US" altLang="zh-CN" sz="5400" b="1" dirty="0">
-                <a:solidFill>
-                  <a:srgbClr val="002060"/>
-                </a:solidFill>
-                <a:latin typeface="Microsoft JhengHei" panose="020B0604030504040204" pitchFamily="34" charset="-120"/>
-                <a:ea typeface="Microsoft JhengHei" panose="020B0604030504040204" pitchFamily="34" charset="-120"/>
-              </a:rPr>
-              <a:t>  </a:t>
-            </a:r>
-            <a:r>
-              <a:rPr lang="zh-CN" altLang="zh-TW" sz="5400" b="1" dirty="0">
-                <a:solidFill>
-                  <a:srgbClr val="002060"/>
-                </a:solidFill>
-                <a:latin typeface="Microsoft JhengHei" panose="020B0604030504040204" pitchFamily="34" charset="-120"/>
-                <a:ea typeface="Microsoft JhengHei" panose="020B0604030504040204" pitchFamily="34" charset="-120"/>
-              </a:rPr>
-              <a:t>今</a:t>
-            </a:r>
-            <a:r>
-              <a:rPr lang="zh-CN" altLang="zh-TW" sz="5400" b="1" dirty="0">
-                <a:solidFill>
-                  <a:srgbClr val="002060"/>
-                </a:solidFill>
-                <a:latin typeface="Microsoft JhengHei" panose="020B0604030504040204" pitchFamily="34" charset="-120"/>
-                <a:ea typeface="Microsoft JhengHei" panose="020B0604030504040204" pitchFamily="34" charset="-120"/>
-              </a:rPr>
-              <a:t>我無有罪擔</a:t>
-            </a:r>
-          </a:p>
-          <a:p>
-            <a:pPr marL="0" indent="0" algn="ctr">
-              <a:buNone/>
-            </a:pPr>
-            <a:r>
-              <a:rPr lang="zh-CN" altLang="zh-TW" sz="5400" b="1" dirty="0">
-                <a:solidFill>
-                  <a:srgbClr val="002060"/>
-                </a:solidFill>
-                <a:latin typeface="Microsoft JhengHei" panose="020B0604030504040204" pitchFamily="34" charset="-120"/>
-                <a:ea typeface="Microsoft JhengHei" panose="020B0604030504040204" pitchFamily="34" charset="-120"/>
-              </a:rPr>
-              <a:t>成為犧牲甘入死</a:t>
-            </a:r>
-            <a:r>
-              <a:rPr lang="zh-CN" altLang="zh-TW" sz="5400" b="1" dirty="0">
-                <a:solidFill>
-                  <a:srgbClr val="002060"/>
-                </a:solidFill>
-                <a:latin typeface="Microsoft JhengHei" panose="020B0604030504040204" pitchFamily="34" charset="-120"/>
-                <a:ea typeface="Microsoft JhengHei" panose="020B0604030504040204" pitchFamily="34" charset="-120"/>
-              </a:rPr>
-              <a:t>門</a:t>
-            </a:r>
-            <a:r>
-              <a:rPr lang="en-US" altLang="zh-CN" sz="5400" b="1" dirty="0">
-                <a:solidFill>
-                  <a:srgbClr val="002060"/>
-                </a:solidFill>
-                <a:latin typeface="Microsoft JhengHei" panose="020B0604030504040204" pitchFamily="34" charset="-120"/>
-                <a:ea typeface="Microsoft JhengHei" panose="020B0604030504040204" pitchFamily="34" charset="-120"/>
-              </a:rPr>
-              <a:t>  </a:t>
-            </a:r>
-            <a:r>
-              <a:rPr lang="zh-CN" altLang="zh-TW" sz="5400" b="1" dirty="0">
-                <a:solidFill>
-                  <a:srgbClr val="002060"/>
-                </a:solidFill>
-                <a:latin typeface="Microsoft JhengHei" panose="020B0604030504040204" pitchFamily="34" charset="-120"/>
-                <a:ea typeface="Microsoft JhengHei" panose="020B0604030504040204" pitchFamily="34" charset="-120"/>
-                <a:sym typeface="+mn-ea"/>
-              </a:rPr>
-              <a:t>今</a:t>
-            </a:r>
-            <a:r>
-              <a:rPr lang="zh-CN" altLang="zh-TW" sz="5400" b="1" dirty="0">
-                <a:solidFill>
-                  <a:srgbClr val="002060"/>
-                </a:solidFill>
-                <a:latin typeface="Microsoft JhengHei" panose="020B0604030504040204" pitchFamily="34" charset="-120"/>
-                <a:ea typeface="Microsoft JhengHei" panose="020B0604030504040204" pitchFamily="34" charset="-120"/>
-                <a:sym typeface="+mn-ea"/>
-              </a:rPr>
-              <a:t>我無有</a:t>
-            </a:r>
-            <a:r>
-              <a:rPr lang="zh-CN" altLang="zh-TW" sz="5400" b="1" dirty="0">
-                <a:solidFill>
-                  <a:srgbClr val="002060"/>
-                </a:solidFill>
-                <a:latin typeface="Microsoft JhengHei" panose="020B0604030504040204" pitchFamily="34" charset="-120"/>
-                <a:ea typeface="Microsoft JhengHei" panose="020B0604030504040204" pitchFamily="34" charset="-120"/>
-                <a:sym typeface="+mn-ea"/>
-              </a:rPr>
-              <a:t>罪擔</a:t>
-            </a:r>
-          </a:p>
-        </p:txBody>
-      </p:sp>
-      <p:sp>
-        <p:nvSpPr>
-          <p:cNvPr id="6" name="Text Box 1"/>
-          <p:cNvSpPr txBox="1"/>
-          <p:nvPr/>
-        </p:nvSpPr>
-        <p:spPr>
-          <a:xfrm>
-            <a:off x="-5096" y="1700808"/>
-            <a:ext cx="1110522" cy="923330"/>
+            <a:off x="0" y="5061182"/>
+            <a:ext cx="12192000" cy="830997"/>
           </a:xfrm>
           <a:prstGeom prst="rect">
             <a:avLst/>
           </a:prstGeom>
           <a:noFill/>
-          <a:ln w="9525">
-            <a:noFill/>
-            <a:miter lim="800000"/>
-          </a:ln>
         </p:spPr>
         <p:txBody>
-          <a:bodyPr wrap="square">
+          <a:bodyPr wrap="square" rtlCol="0">
             <a:spAutoFit/>
           </a:bodyPr>
           <a:lstStyle/>
           <a:p>
             <a:pPr algn="ctr"/>
             <a:r>
-              <a:rPr lang="en-US" sz="5400" b="1" dirty="0">
-                <a:solidFill>
-                  <a:srgbClr val="002060"/>
-                </a:solidFill>
-              </a:rPr>
-              <a:t>1</a:t>
-            </a:r>
-            <a:r>
-              <a:rPr lang="en-US" sz="5400" b="1" dirty="0" smtClean="0">
-                <a:solidFill>
-                  <a:srgbClr val="002060"/>
-                </a:solidFill>
-              </a:rPr>
-              <a:t>.</a:t>
-            </a:r>
-            <a:endParaRPr lang="en-US" sz="5400" b="1" dirty="0">
+              <a:rPr lang="en-US" sz="4800" b="1" dirty="0">
+                <a:solidFill>
+                  <a:srgbClr val="660033"/>
+                </a:solidFill>
+              </a:rPr>
+              <a:t>( </a:t>
+            </a:r>
+            <a:r>
+              <a:rPr lang="en-US" sz="4800" b="1" dirty="0" smtClean="0">
+                <a:solidFill>
+                  <a:srgbClr val="660033"/>
+                </a:solidFill>
+              </a:rPr>
+              <a:t>3 )</a:t>
+            </a:r>
+            <a:r>
+              <a:rPr lang="en-US" sz="4800" b="1" dirty="0">
+                <a:solidFill>
+                  <a:srgbClr val="660033"/>
+                </a:solidFill>
+              </a:rPr>
+              <a:t> ( </a:t>
+            </a:r>
+            <a:r>
+              <a:rPr lang="en-US" sz="4800" b="1" dirty="0" smtClean="0">
+                <a:solidFill>
+                  <a:srgbClr val="660033"/>
+                </a:solidFill>
+              </a:rPr>
+              <a:t>x2 )</a:t>
+            </a:r>
+            <a:endParaRPr lang="vi-VN" sz="4800" b="1" dirty="0">
               <a:solidFill>
-                <a:srgbClr val="002060"/>
+                <a:srgbClr val="660033"/>
               </a:solidFill>
             </a:endParaRPr>
           </a:p>
@@ -4095,7 +4050,531 @@
     </p:spTree>
     <p:extLst>
       <p:ext uri="{BB962C8B-B14F-4D97-AF65-F5344CB8AC3E}">
-        <p14:creationId xmlns:p14="http://schemas.microsoft.com/office/powerpoint/2010/main" val="3276593929"/>
+        <p14:creationId xmlns:p14="http://schemas.microsoft.com/office/powerpoint/2010/main" val="679578212"/>
+      </p:ext>
+    </p:extLst>
+  </p:cSld>
+  <p:clrMapOvr>
+    <a:masterClrMapping/>
+  </p:clrMapOvr>
+  <p:timing>
+    <p:tnLst>
+      <p:par>
+        <p:cTn id="1" dur="indefinite" restart="never" nodeType="tmRoot"/>
+      </p:par>
+    </p:tnLst>
+  </p:timing>
+</p:sld>
+</file>
+
+<file path=ppt/slides/slide11.xml><?xml version="1.0" encoding="utf-8"?>
+<p:sld xmlns:a="http://schemas.openxmlformats.org/drawingml/2006/main" xmlns:r="http://schemas.openxmlformats.org/officeDocument/2006/relationships" xmlns:p="http://schemas.openxmlformats.org/presentationml/2006/main">
+  <p:cSld>
+    <p:spTree>
+      <p:nvGrpSpPr>
+        <p:cNvPr id="1" name=""/>
+        <p:cNvGrpSpPr/>
+        <p:nvPr/>
+      </p:nvGrpSpPr>
+      <p:grpSpPr>
+        <a:xfrm>
+          <a:off x="0" y="0"/>
+          <a:ext cx="0" cy="0"/>
+          <a:chOff x="0" y="0"/>
+          <a:chExt cx="0" cy="0"/>
+        </a:xfrm>
+      </p:grpSpPr>
+      <p:sp>
+        <p:nvSpPr>
+          <p:cNvPr id="5" name="內容版面配置區 4"/>
+          <p:cNvSpPr>
+            <a:spLocks noGrp="1"/>
+          </p:cNvSpPr>
+          <p:nvPr>
+            <p:ph idx="1"/>
+          </p:nvPr>
+        </p:nvSpPr>
+        <p:spPr>
+          <a:xfrm>
+            <a:off x="0" y="2084851"/>
+            <a:ext cx="12192000" cy="2404863"/>
+          </a:xfrm>
+        </p:spPr>
+        <p:txBody>
+          <a:bodyPr anchor="ctr">
+            <a:normAutofit/>
+          </a:bodyPr>
+          <a:lstStyle/>
+          <a:p>
+            <a:pPr marL="0" indent="0" algn="ctr">
+              <a:buNone/>
+            </a:pPr>
+            <a:r>
+              <a:rPr lang="zh-CN" altLang="zh-TW" sz="6400" b="1" dirty="0">
+                <a:solidFill>
+                  <a:srgbClr val="660033"/>
+                </a:solidFill>
+                <a:latin typeface="Microsoft JhengHei" pitchFamily="34" charset="-120"/>
+                <a:ea typeface="Microsoft JhengHei" pitchFamily="34" charset="-120"/>
+              </a:rPr>
+              <a:t>我主耶穌為我受</a:t>
+            </a:r>
+            <a:r>
+              <a:rPr lang="zh-CN" altLang="zh-TW" sz="6400" b="1" dirty="0">
+                <a:solidFill>
+                  <a:srgbClr val="660033"/>
+                </a:solidFill>
+                <a:latin typeface="Microsoft JhengHei" pitchFamily="34" charset="-120"/>
+                <a:ea typeface="Microsoft JhengHei" pitchFamily="34" charset="-120"/>
+              </a:rPr>
+              <a:t>死</a:t>
+            </a:r>
+            <a:endParaRPr lang="en-US" altLang="zh-CN" sz="6400" b="1" dirty="0">
+              <a:solidFill>
+                <a:srgbClr val="660033"/>
+              </a:solidFill>
+              <a:latin typeface="Microsoft JhengHei" pitchFamily="34" charset="-120"/>
+              <a:ea typeface="Microsoft JhengHei" pitchFamily="34" charset="-120"/>
+            </a:endParaRPr>
+          </a:p>
+          <a:p>
+            <a:pPr marL="0" indent="0" algn="ctr">
+              <a:buNone/>
+            </a:pPr>
+            <a:r>
+              <a:rPr lang="zh-CN" altLang="zh-TW" sz="6400" b="1" dirty="0">
+                <a:solidFill>
+                  <a:srgbClr val="660033"/>
+                </a:solidFill>
+                <a:latin typeface="Microsoft JhengHei" pitchFamily="34" charset="-120"/>
+                <a:ea typeface="Microsoft JhengHei" pitchFamily="34" charset="-120"/>
+              </a:rPr>
+              <a:t>我</a:t>
+            </a:r>
+            <a:r>
+              <a:rPr lang="zh-CN" altLang="zh-TW" sz="6400" b="1" dirty="0">
+                <a:solidFill>
+                  <a:srgbClr val="660033"/>
+                </a:solidFill>
+                <a:latin typeface="Microsoft JhengHei" pitchFamily="34" charset="-120"/>
+                <a:ea typeface="Microsoft JhengHei" pitchFamily="34" charset="-120"/>
+              </a:rPr>
+              <a:t>也和主同死</a:t>
+            </a:r>
+          </a:p>
+        </p:txBody>
+      </p:sp>
+      <p:sp>
+        <p:nvSpPr>
+          <p:cNvPr id="3" name="TextBox 2"/>
+          <p:cNvSpPr txBox="1"/>
+          <p:nvPr/>
+        </p:nvSpPr>
+        <p:spPr>
+          <a:xfrm>
+            <a:off x="0" y="5061182"/>
+            <a:ext cx="12192000" cy="830997"/>
+          </a:xfrm>
+          <a:prstGeom prst="rect">
+            <a:avLst/>
+          </a:prstGeom>
+          <a:noFill/>
+        </p:spPr>
+        <p:txBody>
+          <a:bodyPr wrap="square" rtlCol="0">
+            <a:spAutoFit/>
+          </a:bodyPr>
+          <a:lstStyle/>
+          <a:p>
+            <a:pPr algn="ctr"/>
+            <a:r>
+              <a:rPr lang="en-US" sz="4800" b="1" dirty="0">
+                <a:solidFill>
+                  <a:srgbClr val="660033"/>
+                </a:solidFill>
+              </a:rPr>
+              <a:t>( </a:t>
+            </a:r>
+            <a:r>
+              <a:rPr lang="en-US" sz="4800" b="1" dirty="0" smtClean="0">
+                <a:solidFill>
+                  <a:srgbClr val="660033"/>
+                </a:solidFill>
+              </a:rPr>
+              <a:t>4 </a:t>
+            </a:r>
+            <a:r>
+              <a:rPr lang="en-US" sz="4800" b="1" dirty="0">
+                <a:solidFill>
+                  <a:srgbClr val="660033"/>
+                </a:solidFill>
+              </a:rPr>
+              <a:t>)</a:t>
+            </a:r>
+            <a:endParaRPr lang="vi-VN" sz="4800" b="1" dirty="0">
+              <a:solidFill>
+                <a:srgbClr val="660033"/>
+              </a:solidFill>
+            </a:endParaRPr>
+          </a:p>
+        </p:txBody>
+      </p:sp>
+    </p:spTree>
+    <p:extLst>
+      <p:ext uri="{BB962C8B-B14F-4D97-AF65-F5344CB8AC3E}">
+        <p14:creationId xmlns:p14="http://schemas.microsoft.com/office/powerpoint/2010/main" val="2686458473"/>
+      </p:ext>
+    </p:extLst>
+  </p:cSld>
+  <p:clrMapOvr>
+    <a:masterClrMapping/>
+  </p:clrMapOvr>
+  <p:timing>
+    <p:tnLst>
+      <p:par>
+        <p:cTn id="1" dur="indefinite" restart="never" nodeType="tmRoot"/>
+      </p:par>
+    </p:tnLst>
+  </p:timing>
+</p:sld>
+</file>
+
+<file path=ppt/slides/slide12.xml><?xml version="1.0" encoding="utf-8"?>
+<p:sld xmlns:a="http://schemas.openxmlformats.org/drawingml/2006/main" xmlns:r="http://schemas.openxmlformats.org/officeDocument/2006/relationships" xmlns:p="http://schemas.openxmlformats.org/presentationml/2006/main">
+  <p:cSld>
+    <p:spTree>
+      <p:nvGrpSpPr>
+        <p:cNvPr id="1" name=""/>
+        <p:cNvGrpSpPr/>
+        <p:nvPr/>
+      </p:nvGrpSpPr>
+      <p:grpSpPr>
+        <a:xfrm>
+          <a:off x="0" y="0"/>
+          <a:ext cx="0" cy="0"/>
+          <a:chOff x="0" y="0"/>
+          <a:chExt cx="0" cy="0"/>
+        </a:xfrm>
+      </p:grpSpPr>
+      <p:sp>
+        <p:nvSpPr>
+          <p:cNvPr id="5" name="內容版面配置區 4"/>
+          <p:cNvSpPr>
+            <a:spLocks noGrp="1"/>
+          </p:cNvSpPr>
+          <p:nvPr>
+            <p:ph idx="1"/>
+          </p:nvPr>
+        </p:nvSpPr>
+        <p:spPr>
+          <a:xfrm>
+            <a:off x="0" y="2084851"/>
+            <a:ext cx="12192000" cy="2404863"/>
+          </a:xfrm>
+        </p:spPr>
+        <p:txBody>
+          <a:bodyPr anchor="ctr">
+            <a:normAutofit/>
+          </a:bodyPr>
+          <a:lstStyle/>
+          <a:p>
+            <a:pPr marL="0" indent="0" algn="ctr">
+              <a:buNone/>
+            </a:pPr>
+            <a:r>
+              <a:rPr lang="zh-CN" altLang="zh-TW" sz="6400" b="1" dirty="0">
+                <a:solidFill>
+                  <a:srgbClr val="660033"/>
+                </a:solidFill>
+                <a:latin typeface="Microsoft JhengHei" pitchFamily="34" charset="-120"/>
+                <a:ea typeface="Microsoft JhengHei" pitchFamily="34" charset="-120"/>
+              </a:rPr>
+              <a:t>主已復活為我後</a:t>
+            </a:r>
+            <a:r>
+              <a:rPr lang="zh-CN" altLang="zh-TW" sz="6400" b="1" dirty="0">
+                <a:solidFill>
+                  <a:srgbClr val="660033"/>
+                </a:solidFill>
+                <a:latin typeface="Microsoft JhengHei" pitchFamily="34" charset="-120"/>
+                <a:ea typeface="Microsoft JhengHei" pitchFamily="34" charset="-120"/>
+              </a:rPr>
+              <a:t>嗣</a:t>
+            </a:r>
+            <a:endParaRPr lang="en-US" altLang="zh-CN" sz="6400" b="1" dirty="0">
+              <a:solidFill>
+                <a:srgbClr val="660033"/>
+              </a:solidFill>
+              <a:latin typeface="Microsoft JhengHei" pitchFamily="34" charset="-120"/>
+              <a:ea typeface="Microsoft JhengHei" pitchFamily="34" charset="-120"/>
+            </a:endParaRPr>
+          </a:p>
+          <a:p>
+            <a:pPr marL="0" indent="0" algn="ctr">
+              <a:buNone/>
+            </a:pPr>
+            <a:r>
+              <a:rPr lang="zh-CN" altLang="zh-TW" sz="6400" b="1" dirty="0">
+                <a:solidFill>
+                  <a:srgbClr val="660033"/>
+                </a:solidFill>
+                <a:latin typeface="Microsoft JhengHei" pitchFamily="34" charset="-120"/>
+                <a:ea typeface="Microsoft JhengHei" pitchFamily="34" charset="-120"/>
+              </a:rPr>
+              <a:t>我</a:t>
+            </a:r>
+            <a:r>
+              <a:rPr lang="zh-CN" altLang="zh-TW" sz="6400" b="1" dirty="0">
+                <a:solidFill>
+                  <a:srgbClr val="660033"/>
+                </a:solidFill>
+                <a:latin typeface="Microsoft JhengHei" pitchFamily="34" charset="-120"/>
+                <a:ea typeface="Microsoft JhengHei" pitchFamily="34" charset="-120"/>
+              </a:rPr>
+              <a:t>同主作後嗣</a:t>
+            </a:r>
+          </a:p>
+        </p:txBody>
+      </p:sp>
+      <p:sp>
+        <p:nvSpPr>
+          <p:cNvPr id="3" name="TextBox 2"/>
+          <p:cNvSpPr txBox="1"/>
+          <p:nvPr/>
+        </p:nvSpPr>
+        <p:spPr>
+          <a:xfrm>
+            <a:off x="0" y="5061182"/>
+            <a:ext cx="12192000" cy="830997"/>
+          </a:xfrm>
+          <a:prstGeom prst="rect">
+            <a:avLst/>
+          </a:prstGeom>
+          <a:noFill/>
+        </p:spPr>
+        <p:txBody>
+          <a:bodyPr wrap="square" rtlCol="0">
+            <a:spAutoFit/>
+          </a:bodyPr>
+          <a:lstStyle/>
+          <a:p>
+            <a:pPr algn="ctr"/>
+            <a:r>
+              <a:rPr lang="en-US" sz="4800" b="1" dirty="0">
+                <a:solidFill>
+                  <a:srgbClr val="660033"/>
+                </a:solidFill>
+              </a:rPr>
+              <a:t>( </a:t>
+            </a:r>
+            <a:r>
+              <a:rPr lang="en-US" sz="4800" b="1" dirty="0" smtClean="0">
+                <a:solidFill>
+                  <a:srgbClr val="660033"/>
+                </a:solidFill>
+              </a:rPr>
+              <a:t>4 </a:t>
+            </a:r>
+            <a:r>
+              <a:rPr lang="en-US" sz="4800" b="1" dirty="0">
+                <a:solidFill>
+                  <a:srgbClr val="660033"/>
+                </a:solidFill>
+              </a:rPr>
+              <a:t>)</a:t>
+            </a:r>
+            <a:endParaRPr lang="vi-VN" sz="4800" b="1" dirty="0">
+              <a:solidFill>
+                <a:srgbClr val="660033"/>
+              </a:solidFill>
+            </a:endParaRPr>
+          </a:p>
+        </p:txBody>
+      </p:sp>
+    </p:spTree>
+    <p:extLst>
+      <p:ext uri="{BB962C8B-B14F-4D97-AF65-F5344CB8AC3E}">
+        <p14:creationId xmlns:p14="http://schemas.microsoft.com/office/powerpoint/2010/main" val="1973676476"/>
+      </p:ext>
+    </p:extLst>
+  </p:cSld>
+  <p:clrMapOvr>
+    <a:masterClrMapping/>
+  </p:clrMapOvr>
+  <p:timing>
+    <p:tnLst>
+      <p:par>
+        <p:cTn id="1" dur="indefinite" restart="never" nodeType="tmRoot"/>
+      </p:par>
+    </p:tnLst>
+  </p:timing>
+</p:sld>
+</file>
+
+<file path=ppt/slides/slide13.xml><?xml version="1.0" encoding="utf-8"?>
+<p:sld xmlns:a="http://schemas.openxmlformats.org/drawingml/2006/main" xmlns:r="http://schemas.openxmlformats.org/officeDocument/2006/relationships" xmlns:p="http://schemas.openxmlformats.org/presentationml/2006/main">
+  <p:cSld>
+    <p:spTree>
+      <p:nvGrpSpPr>
+        <p:cNvPr id="1" name=""/>
+        <p:cNvGrpSpPr/>
+        <p:nvPr/>
+      </p:nvGrpSpPr>
+      <p:grpSpPr>
+        <a:xfrm>
+          <a:off x="0" y="0"/>
+          <a:ext cx="0" cy="0"/>
+          <a:chOff x="0" y="0"/>
+          <a:chExt cx="0" cy="0"/>
+        </a:xfrm>
+      </p:grpSpPr>
+      <p:sp>
+        <p:nvSpPr>
+          <p:cNvPr id="5" name="內容版面配置區 4"/>
+          <p:cNvSpPr>
+            <a:spLocks noGrp="1"/>
+          </p:cNvSpPr>
+          <p:nvPr>
+            <p:ph idx="1"/>
+          </p:nvPr>
+        </p:nvSpPr>
+        <p:spPr>
+          <a:xfrm>
+            <a:off x="0" y="2084851"/>
+            <a:ext cx="12192000" cy="2404863"/>
+          </a:xfrm>
+        </p:spPr>
+        <p:txBody>
+          <a:bodyPr anchor="ctr">
+            <a:normAutofit/>
+          </a:bodyPr>
+          <a:lstStyle/>
+          <a:p>
+            <a:pPr marL="0" indent="0" algn="ctr">
+              <a:buNone/>
+            </a:pPr>
+            <a:r>
+              <a:rPr lang="zh-CN" altLang="zh-TW" sz="6400" b="1" dirty="0">
+                <a:solidFill>
+                  <a:srgbClr val="660033"/>
+                </a:solidFill>
+                <a:latin typeface="Microsoft JhengHei" pitchFamily="34" charset="-120"/>
+                <a:ea typeface="Microsoft JhengHei" pitchFamily="34" charset="-120"/>
+              </a:rPr>
+              <a:t>將得升天永見主</a:t>
+            </a:r>
+            <a:r>
+              <a:rPr lang="zh-CN" altLang="zh-TW" sz="6400" b="1" dirty="0">
+                <a:solidFill>
+                  <a:srgbClr val="660033"/>
+                </a:solidFill>
+                <a:latin typeface="Microsoft JhengHei" pitchFamily="34" charset="-120"/>
+                <a:ea typeface="Microsoft JhengHei" pitchFamily="34" charset="-120"/>
+              </a:rPr>
+              <a:t>面</a:t>
+            </a:r>
+            <a:endParaRPr lang="en-US" altLang="zh-CN" sz="6400" b="1" dirty="0">
+              <a:solidFill>
+                <a:srgbClr val="660033"/>
+              </a:solidFill>
+              <a:latin typeface="Microsoft JhengHei" pitchFamily="34" charset="-120"/>
+              <a:ea typeface="Microsoft JhengHei" pitchFamily="34" charset="-120"/>
+            </a:endParaRPr>
+          </a:p>
+          <a:p>
+            <a:pPr marL="0" indent="0" algn="ctr">
+              <a:buNone/>
+            </a:pPr>
+            <a:r>
+              <a:rPr lang="zh-CN" altLang="zh-TW" sz="6400" b="1" dirty="0">
+                <a:solidFill>
+                  <a:srgbClr val="660033"/>
+                </a:solidFill>
+                <a:latin typeface="Microsoft JhengHei" pitchFamily="34" charset="-120"/>
+                <a:ea typeface="Microsoft JhengHei" pitchFamily="34" charset="-120"/>
+              </a:rPr>
+              <a:t>同</a:t>
+            </a:r>
+            <a:r>
+              <a:rPr lang="zh-CN" altLang="zh-TW" sz="6400" b="1" dirty="0">
+                <a:solidFill>
+                  <a:srgbClr val="660033"/>
+                </a:solidFill>
+                <a:latin typeface="Microsoft JhengHei" pitchFamily="34" charset="-120"/>
+                <a:ea typeface="Microsoft JhengHei" pitchFamily="34" charset="-120"/>
+              </a:rPr>
+              <a:t>主享福萬年</a:t>
+            </a:r>
+          </a:p>
+        </p:txBody>
+      </p:sp>
+      <p:sp>
+        <p:nvSpPr>
+          <p:cNvPr id="3" name="TextBox 2"/>
+          <p:cNvSpPr txBox="1"/>
+          <p:nvPr/>
+        </p:nvSpPr>
+        <p:spPr>
+          <a:xfrm>
+            <a:off x="0" y="5061182"/>
+            <a:ext cx="12192000" cy="830997"/>
+          </a:xfrm>
+          <a:prstGeom prst="rect">
+            <a:avLst/>
+          </a:prstGeom>
+          <a:noFill/>
+        </p:spPr>
+        <p:txBody>
+          <a:bodyPr wrap="square" rtlCol="0">
+            <a:spAutoFit/>
+          </a:bodyPr>
+          <a:lstStyle/>
+          <a:p>
+            <a:pPr algn="ctr"/>
+            <a:r>
+              <a:rPr lang="en-US" sz="4800" b="1" dirty="0">
+                <a:solidFill>
+                  <a:srgbClr val="660033"/>
+                </a:solidFill>
+              </a:rPr>
+              <a:t>( </a:t>
+            </a:r>
+            <a:r>
+              <a:rPr lang="en-US" sz="4800" b="1" dirty="0" smtClean="0">
+                <a:solidFill>
+                  <a:srgbClr val="660033"/>
+                </a:solidFill>
+              </a:rPr>
+              <a:t>4 )</a:t>
+            </a:r>
+            <a:r>
+              <a:rPr lang="en-US" sz="4800" b="1" dirty="0">
+                <a:solidFill>
+                  <a:srgbClr val="660033"/>
+                </a:solidFill>
+              </a:rPr>
+              <a:t> ( </a:t>
+            </a:r>
+            <a:r>
+              <a:rPr lang="en-US" sz="4800" b="1" dirty="0" smtClean="0">
+                <a:solidFill>
+                  <a:srgbClr val="660033"/>
+                </a:solidFill>
+              </a:rPr>
+              <a:t>x2 )</a:t>
+            </a:r>
+            <a:endParaRPr lang="vi-VN" sz="4800" b="1" dirty="0">
+              <a:solidFill>
+                <a:srgbClr val="660033"/>
+              </a:solidFill>
+            </a:endParaRPr>
+          </a:p>
+        </p:txBody>
+      </p:sp>
+    </p:spTree>
+    <p:extLst>
+      <p:ext uri="{BB962C8B-B14F-4D97-AF65-F5344CB8AC3E}">
+        <p14:creationId xmlns:p14="http://schemas.microsoft.com/office/powerpoint/2010/main" val="472491286"/>
       </p:ext>
     </p:extLst>
   </p:cSld>
@@ -4131,377 +4610,145 @@
       </p:grpSpPr>
       <p:sp>
         <p:nvSpPr>
-          <p:cNvPr id="4" name="Title 3"/>
-          <p:cNvSpPr>
-            <a:spLocks noGrp="1"/>
-          </p:cNvSpPr>
-          <p:nvPr>
-            <p:ph type="title"/>
-          </p:nvPr>
-        </p:nvSpPr>
-        <p:spPr/>
-        <p:txBody>
-          <a:bodyPr>
+          <p:cNvPr id="5" name="內容版面配置區 4"/>
+          <p:cNvSpPr>
+            <a:spLocks noGrp="1"/>
+          </p:cNvSpPr>
+          <p:nvPr>
+            <p:ph idx="1"/>
+          </p:nvPr>
+        </p:nvSpPr>
+        <p:spPr>
+          <a:xfrm>
+            <a:off x="0" y="2084851"/>
+            <a:ext cx="12192000" cy="2404863"/>
+          </a:xfrm>
+        </p:spPr>
+        <p:txBody>
+          <a:bodyPr anchor="ctr">
             <a:normAutofit/>
           </a:bodyPr>
           <a:lstStyle/>
           <a:p>
-            <a:r>
-              <a:rPr lang="en-US" altLang="zh-CN" sz="4800" b="1" dirty="0">
-                <a:solidFill>
-                  <a:srgbClr val="002060"/>
-                </a:solidFill>
-                <a:latin typeface="Microsoft JhengHei" panose="020B0604030504040204" pitchFamily="34" charset="-120"/>
-                <a:ea typeface="Microsoft JhengHei" panose="020B0604030504040204" pitchFamily="34" charset="-120"/>
-              </a:rPr>
-              <a:t>【</a:t>
-            </a:r>
-            <a:r>
-              <a:rPr lang="zh-CN" altLang="en-US" sz="4800" b="1" dirty="0">
-                <a:solidFill>
-                  <a:srgbClr val="002060"/>
-                </a:solidFill>
-                <a:latin typeface="Microsoft JhengHei" panose="020B0604030504040204" pitchFamily="34" charset="-120"/>
-                <a:ea typeface="Microsoft JhengHei" panose="020B0604030504040204" pitchFamily="34" charset="-120"/>
-              </a:rPr>
-              <a:t>聖餐</a:t>
-            </a:r>
-            <a:r>
-              <a:rPr lang="en-US" altLang="zh-CN" sz="4800" b="1" dirty="0">
-                <a:solidFill>
-                  <a:srgbClr val="002060"/>
-                </a:solidFill>
-                <a:latin typeface="Microsoft JhengHei" panose="020B0604030504040204" pitchFamily="34" charset="-120"/>
-                <a:ea typeface="Microsoft JhengHei" panose="020B0604030504040204" pitchFamily="34" charset="-120"/>
-              </a:rPr>
-              <a:t>】</a:t>
-            </a:r>
-          </a:p>
-        </p:txBody>
-      </p:sp>
-      <p:sp>
-        <p:nvSpPr>
-          <p:cNvPr id="5" name="Content Placeholder 4"/>
-          <p:cNvSpPr>
-            <a:spLocks noGrp="1"/>
-          </p:cNvSpPr>
-          <p:nvPr>
-            <p:ph idx="1"/>
-          </p:nvPr>
+            <a:pPr marL="0" indent="0" algn="ctr">
+              <a:buNone/>
+            </a:pPr>
+            <a:r>
+              <a:rPr lang="zh-CN" altLang="zh-TW" sz="6400" b="1" dirty="0" smtClean="0">
+                <a:solidFill>
+                  <a:srgbClr val="660033"/>
+                </a:solidFill>
+                <a:latin typeface="Microsoft JhengHei" pitchFamily="34" charset="-120"/>
+                <a:ea typeface="Microsoft JhengHei" pitchFamily="34" charset="-120"/>
+              </a:rPr>
+              <a:t>哀</a:t>
+            </a:r>
+            <a:r>
+              <a:rPr lang="zh-CN" altLang="zh-TW" sz="6400" b="1" dirty="0">
+                <a:solidFill>
+                  <a:srgbClr val="660033"/>
+                </a:solidFill>
+                <a:latin typeface="Microsoft JhengHei" pitchFamily="34" charset="-120"/>
+                <a:ea typeface="Microsoft JhengHei" pitchFamily="34" charset="-120"/>
+              </a:rPr>
+              <a:t>哉基督受苦何</a:t>
+            </a:r>
+            <a:r>
+              <a:rPr lang="zh-CN" altLang="zh-TW" sz="6400" b="1" dirty="0" smtClean="0">
+                <a:solidFill>
+                  <a:srgbClr val="660033"/>
+                </a:solidFill>
+                <a:latin typeface="Microsoft JhengHei" pitchFamily="34" charset="-120"/>
+                <a:ea typeface="Microsoft JhengHei" pitchFamily="34" charset="-120"/>
+              </a:rPr>
+              <a:t>深</a:t>
+            </a:r>
+            <a:endParaRPr lang="en-US" altLang="zh-CN" sz="6400" b="1" dirty="0">
+              <a:solidFill>
+                <a:srgbClr val="660033"/>
+              </a:solidFill>
+              <a:latin typeface="Microsoft JhengHei" pitchFamily="34" charset="-120"/>
+              <a:ea typeface="Microsoft JhengHei" pitchFamily="34" charset="-120"/>
+            </a:endParaRPr>
+          </a:p>
+          <a:p>
+            <a:pPr marL="0" indent="0" algn="ctr">
+              <a:buNone/>
+            </a:pPr>
+            <a:r>
+              <a:rPr lang="zh-CN" altLang="zh-TW" sz="6400" b="1" dirty="0" smtClean="0">
+                <a:solidFill>
+                  <a:srgbClr val="660033"/>
+                </a:solidFill>
+                <a:latin typeface="Microsoft JhengHei" pitchFamily="34" charset="-120"/>
+                <a:ea typeface="Microsoft JhengHei" pitchFamily="34" charset="-120"/>
+              </a:rPr>
+              <a:t>替</a:t>
+            </a:r>
+            <a:r>
+              <a:rPr lang="zh-CN" altLang="zh-TW" sz="6400" b="1" dirty="0">
+                <a:solidFill>
+                  <a:srgbClr val="660033"/>
+                </a:solidFill>
+                <a:latin typeface="Microsoft JhengHei" pitchFamily="34" charset="-120"/>
+                <a:ea typeface="Microsoft JhengHei" pitchFamily="34" charset="-120"/>
+              </a:rPr>
+              <a:t>我脫離重</a:t>
+            </a:r>
+            <a:r>
+              <a:rPr lang="zh-CN" altLang="zh-TW" sz="6400" b="1" dirty="0" smtClean="0">
+                <a:solidFill>
+                  <a:srgbClr val="660033"/>
+                </a:solidFill>
+                <a:latin typeface="Microsoft JhengHei" pitchFamily="34" charset="-120"/>
+                <a:ea typeface="Microsoft JhengHei" pitchFamily="34" charset="-120"/>
+              </a:rPr>
+              <a:t>擔</a:t>
+            </a:r>
+            <a:endParaRPr lang="zh-CN" altLang="zh-TW" sz="6400" b="1" dirty="0">
+              <a:solidFill>
+                <a:srgbClr val="660033"/>
+              </a:solidFill>
+              <a:latin typeface="Microsoft JhengHei" pitchFamily="34" charset="-120"/>
+              <a:ea typeface="Microsoft JhengHei" pitchFamily="34" charset="-120"/>
+            </a:endParaRPr>
+          </a:p>
+        </p:txBody>
+      </p:sp>
+      <p:sp>
+        <p:nvSpPr>
+          <p:cNvPr id="3" name="TextBox 2"/>
+          <p:cNvSpPr txBox="1"/>
+          <p:nvPr/>
         </p:nvSpPr>
         <p:spPr>
           <a:xfrm>
-            <a:off x="0" y="1600203"/>
-            <a:ext cx="12192000" cy="5257797"/>
-          </a:xfrm>
-        </p:spPr>
-        <p:txBody>
-          <a:bodyPr>
-            <a:normAutofit/>
-          </a:bodyPr>
-          <a:lstStyle/>
-          <a:p>
-            <a:pPr marL="0" indent="0" algn="ctr">
-              <a:buNone/>
-            </a:pPr>
-            <a:r>
-              <a:rPr lang="zh-CN" altLang="zh-TW" sz="5400" b="1" dirty="0">
-                <a:solidFill>
-                  <a:srgbClr val="002060"/>
-                </a:solidFill>
-                <a:latin typeface="Microsoft JhengHei" panose="020B0604030504040204" pitchFamily="34" charset="-120"/>
-                <a:ea typeface="Microsoft JhengHei" panose="020B0604030504040204" pitchFamily="34" charset="-120"/>
-              </a:rPr>
-              <a:t>我等苦杯盛滿死</a:t>
-            </a:r>
-            <a:r>
-              <a:rPr lang="zh-CN" altLang="zh-TW" sz="5400" b="1" dirty="0">
-                <a:solidFill>
-                  <a:srgbClr val="002060"/>
-                </a:solidFill>
-                <a:latin typeface="Microsoft JhengHei" panose="020B0604030504040204" pitchFamily="34" charset="-120"/>
-                <a:ea typeface="Microsoft JhengHei" panose="020B0604030504040204" pitchFamily="34" charset="-120"/>
-              </a:rPr>
-              <a:t>亡</a:t>
-            </a:r>
-            <a:r>
-              <a:rPr lang="en-US" altLang="zh-CN" sz="5400" b="1" dirty="0">
-                <a:solidFill>
-                  <a:srgbClr val="002060"/>
-                </a:solidFill>
-                <a:latin typeface="Microsoft JhengHei" panose="020B0604030504040204" pitchFamily="34" charset="-120"/>
-                <a:ea typeface="Microsoft JhengHei" panose="020B0604030504040204" pitchFamily="34" charset="-120"/>
-              </a:rPr>
-              <a:t>  </a:t>
-            </a:r>
-            <a:r>
-              <a:rPr lang="zh-CN" altLang="zh-TW" sz="5400" b="1" dirty="0">
-                <a:solidFill>
-                  <a:srgbClr val="002060"/>
-                </a:solidFill>
-                <a:latin typeface="Microsoft JhengHei" panose="020B0604030504040204" pitchFamily="34" charset="-120"/>
-                <a:ea typeface="Microsoft JhengHei" panose="020B0604030504040204" pitchFamily="34" charset="-120"/>
-              </a:rPr>
-              <a:t>救</a:t>
-            </a:r>
-            <a:r>
-              <a:rPr lang="zh-CN" altLang="zh-TW" sz="5400" b="1" dirty="0">
-                <a:solidFill>
-                  <a:srgbClr val="002060"/>
-                </a:solidFill>
-                <a:latin typeface="Microsoft JhengHei" panose="020B0604030504040204" pitchFamily="34" charset="-120"/>
-                <a:ea typeface="Microsoft JhengHei" panose="020B0604030504040204" pitchFamily="34" charset="-120"/>
-              </a:rPr>
-              <a:t>主曾替我喝</a:t>
-            </a:r>
-          </a:p>
-          <a:p>
-            <a:pPr marL="0" indent="0" algn="ctr">
-              <a:buNone/>
-            </a:pPr>
-            <a:r>
-              <a:rPr lang="zh-CN" altLang="zh-TW" sz="5400" b="1" dirty="0">
-                <a:solidFill>
-                  <a:srgbClr val="002060"/>
-                </a:solidFill>
-                <a:latin typeface="Microsoft JhengHei" panose="020B0604030504040204" pitchFamily="34" charset="-120"/>
-                <a:ea typeface="Microsoft JhengHei" panose="020B0604030504040204" pitchFamily="34" charset="-120"/>
-              </a:rPr>
-              <a:t>哀哉苦杯主替我</a:t>
-            </a:r>
-            <a:r>
-              <a:rPr lang="zh-CN" altLang="zh-TW" sz="5400" b="1" dirty="0">
-                <a:solidFill>
-                  <a:srgbClr val="002060"/>
-                </a:solidFill>
-                <a:latin typeface="Microsoft JhengHei" panose="020B0604030504040204" pitchFamily="34" charset="-120"/>
-                <a:ea typeface="Microsoft JhengHei" panose="020B0604030504040204" pitchFamily="34" charset="-120"/>
-              </a:rPr>
-              <a:t>嘗</a:t>
-            </a:r>
-            <a:r>
-              <a:rPr lang="en-US" altLang="zh-CN" sz="5400" b="1" dirty="0">
-                <a:solidFill>
-                  <a:srgbClr val="002060"/>
-                </a:solidFill>
-                <a:latin typeface="Microsoft JhengHei" panose="020B0604030504040204" pitchFamily="34" charset="-120"/>
-                <a:ea typeface="Microsoft JhengHei" panose="020B0604030504040204" pitchFamily="34" charset="-120"/>
-              </a:rPr>
-              <a:t>  </a:t>
-            </a:r>
-            <a:r>
-              <a:rPr lang="zh-CN" altLang="zh-TW" sz="5400" b="1" dirty="0">
-                <a:solidFill>
-                  <a:srgbClr val="002060"/>
-                </a:solidFill>
-                <a:latin typeface="Microsoft JhengHei" panose="020B0604030504040204" pitchFamily="34" charset="-120"/>
-                <a:ea typeface="Microsoft JhengHei" panose="020B0604030504040204" pitchFamily="34" charset="-120"/>
-              </a:rPr>
-              <a:t>只</a:t>
-            </a:r>
-            <a:r>
-              <a:rPr lang="zh-CN" altLang="zh-TW" sz="5400" b="1" dirty="0">
-                <a:solidFill>
-                  <a:srgbClr val="002060"/>
-                </a:solidFill>
-                <a:latin typeface="Microsoft JhengHei" panose="020B0604030504040204" pitchFamily="34" charset="-120"/>
-                <a:ea typeface="Microsoft JhengHei" panose="020B0604030504040204" pitchFamily="34" charset="-120"/>
-              </a:rPr>
-              <a:t>留空杯給</a:t>
-            </a:r>
-            <a:r>
-              <a:rPr lang="zh-CN" altLang="zh-TW" sz="5400" b="1" dirty="0">
-                <a:solidFill>
-                  <a:srgbClr val="002060"/>
-                </a:solidFill>
-                <a:latin typeface="Microsoft JhengHei" panose="020B0604030504040204" pitchFamily="34" charset="-120"/>
-                <a:ea typeface="Microsoft JhengHei" panose="020B0604030504040204" pitchFamily="34" charset="-120"/>
-              </a:rPr>
-              <a:t>我</a:t>
-            </a:r>
-            <a:endParaRPr lang="en-US" altLang="zh-CN" sz="5400" b="1" dirty="0">
-              <a:solidFill>
-                <a:srgbClr val="002060"/>
-              </a:solidFill>
-              <a:latin typeface="Microsoft JhengHei" panose="020B0604030504040204" pitchFamily="34" charset="-120"/>
-              <a:ea typeface="Microsoft JhengHei" panose="020B0604030504040204" pitchFamily="34" charset="-120"/>
-            </a:endParaRPr>
-          </a:p>
-          <a:p>
-            <a:pPr marL="0" indent="0" algn="ctr">
-              <a:buNone/>
-            </a:pPr>
-            <a:r>
-              <a:rPr lang="zh-CN" altLang="zh-TW" sz="5400" b="1" dirty="0">
-                <a:solidFill>
-                  <a:srgbClr val="002060"/>
-                </a:solidFill>
-                <a:latin typeface="Microsoft JhengHei" panose="020B0604030504040204" pitchFamily="34" charset="-120"/>
-                <a:ea typeface="Microsoft JhengHei" panose="020B0604030504040204" pitchFamily="34" charset="-120"/>
-              </a:rPr>
-              <a:t>苦杯主嘗身體受</a:t>
-            </a:r>
-            <a:r>
-              <a:rPr lang="zh-CN" altLang="zh-TW" sz="5400" b="1" dirty="0">
-                <a:solidFill>
-                  <a:srgbClr val="002060"/>
-                </a:solidFill>
-                <a:latin typeface="Microsoft JhengHei" panose="020B0604030504040204" pitchFamily="34" charset="-120"/>
-                <a:ea typeface="Microsoft JhengHei" panose="020B0604030504040204" pitchFamily="34" charset="-120"/>
-              </a:rPr>
-              <a:t>傷</a:t>
-            </a:r>
-            <a:r>
-              <a:rPr lang="en-US" altLang="zh-CN" sz="5400" b="1" dirty="0">
-                <a:solidFill>
-                  <a:srgbClr val="002060"/>
-                </a:solidFill>
-                <a:latin typeface="Microsoft JhengHei" panose="020B0604030504040204" pitchFamily="34" charset="-120"/>
-                <a:ea typeface="Microsoft JhengHei" panose="020B0604030504040204" pitchFamily="34" charset="-120"/>
-              </a:rPr>
-              <a:t>  </a:t>
-            </a:r>
-            <a:r>
-              <a:rPr lang="zh-CN" altLang="zh-TW" sz="5400" b="1" dirty="0">
-                <a:solidFill>
-                  <a:srgbClr val="002060"/>
-                </a:solidFill>
-                <a:latin typeface="Microsoft JhengHei" panose="020B0604030504040204" pitchFamily="34" charset="-120"/>
-                <a:ea typeface="Microsoft JhengHei" panose="020B0604030504040204" pitchFamily="34" charset="-120"/>
-              </a:rPr>
-              <a:t>今</a:t>
-            </a:r>
-            <a:r>
-              <a:rPr lang="zh-CN" altLang="zh-TW" sz="5400" b="1" dirty="0">
-                <a:solidFill>
-                  <a:srgbClr val="002060"/>
-                </a:solidFill>
-                <a:latin typeface="Microsoft JhengHei" panose="020B0604030504040204" pitchFamily="34" charset="-120"/>
-                <a:ea typeface="Microsoft JhengHei" panose="020B0604030504040204" pitchFamily="34" charset="-120"/>
-              </a:rPr>
-              <a:t>賜福杯與我</a:t>
-            </a:r>
-          </a:p>
-          <a:p>
-            <a:pPr marL="0" indent="0" algn="ctr">
-              <a:buNone/>
-            </a:pPr>
-            <a:r>
-              <a:rPr lang="zh-CN" altLang="zh-TW" sz="5400" b="1" dirty="0">
-                <a:solidFill>
-                  <a:srgbClr val="002060"/>
-                </a:solidFill>
-                <a:latin typeface="Microsoft JhengHei" panose="020B0604030504040204" pitchFamily="34" charset="-120"/>
-                <a:ea typeface="Microsoft JhengHei" panose="020B0604030504040204" pitchFamily="34" charset="-120"/>
-              </a:rPr>
-              <a:t>苦杯主嘗身體受</a:t>
-            </a:r>
-            <a:r>
-              <a:rPr lang="zh-CN" altLang="zh-TW" sz="5400" b="1" dirty="0">
-                <a:solidFill>
-                  <a:srgbClr val="002060"/>
-                </a:solidFill>
-                <a:latin typeface="Microsoft JhengHei" panose="020B0604030504040204" pitchFamily="34" charset="-120"/>
-                <a:ea typeface="Microsoft JhengHei" panose="020B0604030504040204" pitchFamily="34" charset="-120"/>
-              </a:rPr>
-              <a:t>傷</a:t>
-            </a:r>
-            <a:r>
-              <a:rPr lang="en-US" altLang="zh-CN" sz="5400" b="1" dirty="0">
-                <a:solidFill>
-                  <a:srgbClr val="002060"/>
-                </a:solidFill>
-                <a:latin typeface="Microsoft JhengHei" panose="020B0604030504040204" pitchFamily="34" charset="-120"/>
-                <a:ea typeface="Microsoft JhengHei" panose="020B0604030504040204" pitchFamily="34" charset="-120"/>
-              </a:rPr>
-              <a:t>  </a:t>
-            </a:r>
-            <a:r>
-              <a:rPr lang="zh-CN" altLang="zh-TW" sz="5400" b="1" dirty="0">
-                <a:solidFill>
-                  <a:srgbClr val="002060"/>
-                </a:solidFill>
-                <a:latin typeface="Microsoft JhengHei" panose="020B0604030504040204" pitchFamily="34" charset="-120"/>
-                <a:ea typeface="Microsoft JhengHei" panose="020B0604030504040204" pitchFamily="34" charset="-120"/>
-              </a:rPr>
-              <a:t>今</a:t>
-            </a:r>
-            <a:r>
-              <a:rPr lang="zh-CN" altLang="zh-TW" sz="5400" b="1" dirty="0">
-                <a:solidFill>
-                  <a:srgbClr val="002060"/>
-                </a:solidFill>
-                <a:latin typeface="Microsoft JhengHei" panose="020B0604030504040204" pitchFamily="34" charset="-120"/>
-                <a:ea typeface="Microsoft JhengHei" panose="020B0604030504040204" pitchFamily="34" charset="-120"/>
-              </a:rPr>
-              <a:t>賜福杯與</a:t>
-            </a:r>
-            <a:r>
-              <a:rPr lang="zh-CN" altLang="zh-TW" sz="5400" b="1" dirty="0">
-                <a:solidFill>
-                  <a:srgbClr val="002060"/>
-                </a:solidFill>
-                <a:latin typeface="Microsoft JhengHei" panose="020B0604030504040204" pitchFamily="34" charset="-120"/>
-                <a:ea typeface="Microsoft JhengHei" panose="020B0604030504040204" pitchFamily="34" charset="-120"/>
-              </a:rPr>
-              <a:t>我</a:t>
-            </a:r>
-            <a:endParaRPr lang="zh-CN" altLang="zh-TW" sz="5400" b="1" dirty="0">
-              <a:solidFill>
-                <a:srgbClr val="002060"/>
-              </a:solidFill>
-              <a:latin typeface="Microsoft JhengHei" panose="020B0604030504040204" pitchFamily="34" charset="-120"/>
-              <a:ea typeface="Microsoft JhengHei" panose="020B0604030504040204" pitchFamily="34" charset="-120"/>
-            </a:endParaRPr>
-          </a:p>
-        </p:txBody>
-      </p:sp>
-      <p:sp>
-        <p:nvSpPr>
-          <p:cNvPr id="6" name="Text Box 1"/>
-          <p:cNvSpPr txBox="1"/>
-          <p:nvPr/>
-        </p:nvSpPr>
-        <p:spPr>
-          <a:xfrm>
-            <a:off x="-5096" y="1700808"/>
-            <a:ext cx="1110522" cy="923330"/>
+            <a:off x="0" y="5061182"/>
+            <a:ext cx="12192000" cy="830997"/>
           </a:xfrm>
           <a:prstGeom prst="rect">
             <a:avLst/>
           </a:prstGeom>
           <a:noFill/>
-          <a:ln w="9525">
-            <a:noFill/>
-            <a:miter lim="800000"/>
-          </a:ln>
         </p:spPr>
         <p:txBody>
-          <a:bodyPr wrap="square">
+          <a:bodyPr wrap="square" rtlCol="0">
             <a:spAutoFit/>
           </a:bodyPr>
           <a:lstStyle/>
           <a:p>
             <a:pPr algn="ctr"/>
             <a:r>
-              <a:rPr lang="en-US" sz="5400" b="1" dirty="0">
-                <a:solidFill>
-                  <a:srgbClr val="002060"/>
-                </a:solidFill>
-              </a:rPr>
-              <a:t>2</a:t>
-            </a:r>
-            <a:r>
-              <a:rPr lang="en-US" sz="5400" b="1" dirty="0" smtClean="0">
-                <a:solidFill>
-                  <a:srgbClr val="002060"/>
-                </a:solidFill>
-              </a:rPr>
-              <a:t>.</a:t>
-            </a:r>
-            <a:endParaRPr lang="en-US" sz="5400" b="1" dirty="0">
+              <a:rPr lang="en-US" sz="4800" b="1" dirty="0">
+                <a:solidFill>
+                  <a:srgbClr val="660033"/>
+                </a:solidFill>
+              </a:rPr>
+              <a:t>( 1 )</a:t>
+            </a:r>
+            <a:endParaRPr lang="vi-VN" sz="4800" b="1" dirty="0">
               <a:solidFill>
-                <a:srgbClr val="002060"/>
+                <a:srgbClr val="660033"/>
               </a:solidFill>
             </a:endParaRPr>
           </a:p>
@@ -4510,7 +4757,7 @@
     </p:spTree>
     <p:extLst>
       <p:ext uri="{BB962C8B-B14F-4D97-AF65-F5344CB8AC3E}">
-        <p14:creationId xmlns:p14="http://schemas.microsoft.com/office/powerpoint/2010/main" val="3778694056"/>
+        <p14:creationId xmlns:p14="http://schemas.microsoft.com/office/powerpoint/2010/main" val="1191423574"/>
       </p:ext>
     </p:extLst>
   </p:cSld>
@@ -4546,383 +4793,135 @@
       </p:grpSpPr>
       <p:sp>
         <p:nvSpPr>
-          <p:cNvPr id="4" name="Title 3"/>
-          <p:cNvSpPr>
-            <a:spLocks noGrp="1"/>
-          </p:cNvSpPr>
-          <p:nvPr>
-            <p:ph type="title"/>
-          </p:nvPr>
-        </p:nvSpPr>
-        <p:spPr/>
-        <p:txBody>
-          <a:bodyPr>
+          <p:cNvPr id="5" name="內容版面配置區 4"/>
+          <p:cNvSpPr>
+            <a:spLocks noGrp="1"/>
+          </p:cNvSpPr>
+          <p:nvPr>
+            <p:ph idx="1"/>
+          </p:nvPr>
+        </p:nvSpPr>
+        <p:spPr>
+          <a:xfrm>
+            <a:off x="0" y="2084851"/>
+            <a:ext cx="12192000" cy="2404863"/>
+          </a:xfrm>
+        </p:spPr>
+        <p:txBody>
+          <a:bodyPr anchor="ctr">
             <a:normAutofit/>
           </a:bodyPr>
           <a:lstStyle/>
           <a:p>
-            <a:r>
-              <a:rPr lang="en-US" altLang="zh-CN" sz="4800" b="1" dirty="0">
-                <a:solidFill>
-                  <a:srgbClr val="002060"/>
-                </a:solidFill>
-                <a:latin typeface="Microsoft JhengHei" panose="020B0604030504040204" pitchFamily="34" charset="-120"/>
-                <a:ea typeface="Microsoft JhengHei" panose="020B0604030504040204" pitchFamily="34" charset="-120"/>
-              </a:rPr>
-              <a:t>【</a:t>
-            </a:r>
-            <a:r>
-              <a:rPr lang="zh-CN" altLang="en-US" sz="4800" b="1" dirty="0">
-                <a:solidFill>
-                  <a:srgbClr val="002060"/>
-                </a:solidFill>
-                <a:latin typeface="Microsoft JhengHei" panose="020B0604030504040204" pitchFamily="34" charset="-120"/>
-                <a:ea typeface="Microsoft JhengHei" panose="020B0604030504040204" pitchFamily="34" charset="-120"/>
-              </a:rPr>
-              <a:t>聖餐</a:t>
-            </a:r>
-            <a:r>
-              <a:rPr lang="en-US" altLang="zh-CN" sz="4800" b="1" dirty="0">
-                <a:solidFill>
-                  <a:srgbClr val="002060"/>
-                </a:solidFill>
-                <a:latin typeface="Microsoft JhengHei" panose="020B0604030504040204" pitchFamily="34" charset="-120"/>
-                <a:ea typeface="Microsoft JhengHei" panose="020B0604030504040204" pitchFamily="34" charset="-120"/>
-              </a:rPr>
-              <a:t>】</a:t>
-            </a:r>
-          </a:p>
-        </p:txBody>
-      </p:sp>
-      <p:sp>
-        <p:nvSpPr>
-          <p:cNvPr id="5" name="Content Placeholder 4"/>
-          <p:cNvSpPr>
-            <a:spLocks noGrp="1"/>
-          </p:cNvSpPr>
-          <p:nvPr>
-            <p:ph idx="1"/>
-          </p:nvPr>
+            <a:pPr marL="0" indent="0" algn="ctr">
+              <a:buNone/>
+            </a:pPr>
+            <a:r>
+              <a:rPr lang="zh-CN" altLang="zh-TW" sz="6400" b="1" dirty="0" smtClean="0">
+                <a:solidFill>
+                  <a:srgbClr val="660033"/>
+                </a:solidFill>
+                <a:latin typeface="Microsoft JhengHei" pitchFamily="34" charset="-120"/>
+                <a:ea typeface="Microsoft JhengHei" pitchFamily="34" charset="-120"/>
+              </a:rPr>
+              <a:t>主</a:t>
+            </a:r>
+            <a:r>
+              <a:rPr lang="zh-CN" altLang="zh-TW" sz="6400" b="1" dirty="0">
+                <a:solidFill>
+                  <a:srgbClr val="660033"/>
+                </a:solidFill>
+                <a:latin typeface="Microsoft JhengHei" pitchFamily="34" charset="-120"/>
+                <a:ea typeface="Microsoft JhengHei" pitchFamily="34" charset="-120"/>
+              </a:rPr>
+              <a:t>替罪人獻上己</a:t>
+            </a:r>
+            <a:r>
+              <a:rPr lang="zh-CN" altLang="zh-TW" sz="6400" b="1" dirty="0" smtClean="0">
+                <a:solidFill>
+                  <a:srgbClr val="660033"/>
+                </a:solidFill>
+                <a:latin typeface="Microsoft JhengHei" pitchFamily="34" charset="-120"/>
+                <a:ea typeface="Microsoft JhengHei" pitchFamily="34" charset="-120"/>
+              </a:rPr>
+              <a:t>身</a:t>
+            </a:r>
+            <a:endParaRPr lang="en-US" altLang="zh-CN" sz="6400" b="1" dirty="0">
+              <a:solidFill>
+                <a:srgbClr val="660033"/>
+              </a:solidFill>
+              <a:latin typeface="Microsoft JhengHei" pitchFamily="34" charset="-120"/>
+              <a:ea typeface="Microsoft JhengHei" pitchFamily="34" charset="-120"/>
+            </a:endParaRPr>
+          </a:p>
+          <a:p>
+            <a:pPr marL="0" indent="0" algn="ctr">
+              <a:buNone/>
+            </a:pPr>
+            <a:r>
+              <a:rPr lang="zh-CN" altLang="zh-TW" sz="6400" b="1" dirty="0" smtClean="0">
+                <a:solidFill>
+                  <a:srgbClr val="660033"/>
+                </a:solidFill>
+                <a:latin typeface="Microsoft JhengHei" pitchFamily="34" charset="-120"/>
+                <a:ea typeface="Microsoft JhengHei" pitchFamily="34" charset="-120"/>
+              </a:rPr>
+              <a:t>替</a:t>
+            </a:r>
+            <a:r>
+              <a:rPr lang="zh-CN" altLang="zh-TW" sz="6400" b="1" dirty="0">
+                <a:solidFill>
+                  <a:srgbClr val="660033"/>
+                </a:solidFill>
+                <a:latin typeface="Microsoft JhengHei" pitchFamily="34" charset="-120"/>
+                <a:ea typeface="Microsoft JhengHei" pitchFamily="34" charset="-120"/>
+              </a:rPr>
+              <a:t>我受苦受難</a:t>
+            </a:r>
+            <a:endParaRPr lang="en-US" altLang="zh-CN" sz="6400" b="1" dirty="0">
+              <a:solidFill>
+                <a:srgbClr val="660033"/>
+              </a:solidFill>
+              <a:latin typeface="Microsoft JhengHei" pitchFamily="34" charset="-120"/>
+              <a:ea typeface="Microsoft JhengHei" pitchFamily="34" charset="-120"/>
+            </a:endParaRPr>
+          </a:p>
+        </p:txBody>
+      </p:sp>
+      <p:sp>
+        <p:nvSpPr>
+          <p:cNvPr id="3" name="TextBox 2"/>
+          <p:cNvSpPr txBox="1"/>
+          <p:nvPr/>
         </p:nvSpPr>
         <p:spPr>
           <a:xfrm>
-            <a:off x="0" y="1600203"/>
-            <a:ext cx="12192000" cy="5257797"/>
-          </a:xfrm>
-        </p:spPr>
-        <p:txBody>
-          <a:bodyPr>
-            <a:normAutofit/>
-          </a:bodyPr>
-          <a:lstStyle/>
-          <a:p>
-            <a:pPr marL="0" indent="0" algn="ctr">
-              <a:buNone/>
-            </a:pPr>
-            <a:r>
-              <a:rPr lang="zh-CN" altLang="zh-TW" sz="5400" b="1" dirty="0">
-                <a:solidFill>
-                  <a:srgbClr val="002060"/>
-                </a:solidFill>
-                <a:latin typeface="Microsoft JhengHei" panose="020B0604030504040204" pitchFamily="34" charset="-120"/>
-                <a:ea typeface="Microsoft JhengHei" panose="020B0604030504040204" pitchFamily="34" charset="-120"/>
-              </a:rPr>
-              <a:t>主耶和華因罪動</a:t>
-            </a:r>
-            <a:r>
-              <a:rPr lang="zh-CN" altLang="zh-TW" sz="5400" b="1" dirty="0">
-                <a:solidFill>
-                  <a:srgbClr val="002060"/>
-                </a:solidFill>
-                <a:latin typeface="Microsoft JhengHei" panose="020B0604030504040204" pitchFamily="34" charset="-120"/>
-                <a:ea typeface="Microsoft JhengHei" panose="020B0604030504040204" pitchFamily="34" charset="-120"/>
-              </a:rPr>
-              <a:t>怒</a:t>
-            </a:r>
-            <a:r>
-              <a:rPr lang="en-US" altLang="zh-CN" sz="5400" b="1" dirty="0">
-                <a:solidFill>
-                  <a:srgbClr val="002060"/>
-                </a:solidFill>
-                <a:latin typeface="Microsoft JhengHei" panose="020B0604030504040204" pitchFamily="34" charset="-120"/>
-                <a:ea typeface="Microsoft JhengHei" panose="020B0604030504040204" pitchFamily="34" charset="-120"/>
-              </a:rPr>
-              <a:t>  </a:t>
-            </a:r>
-            <a:r>
-              <a:rPr lang="zh-CN" altLang="zh-TW" sz="5400" b="1" dirty="0">
-                <a:solidFill>
-                  <a:srgbClr val="002060"/>
-                </a:solidFill>
-                <a:latin typeface="Microsoft JhengHei" panose="020B0604030504040204" pitchFamily="34" charset="-120"/>
-                <a:ea typeface="Microsoft JhengHei" panose="020B0604030504040204" pitchFamily="34" charset="-120"/>
-              </a:rPr>
-              <a:t>震</a:t>
-            </a:r>
-            <a:r>
-              <a:rPr lang="zh-CN" altLang="zh-TW" sz="5400" b="1" dirty="0">
-                <a:solidFill>
-                  <a:srgbClr val="002060"/>
-                </a:solidFill>
-                <a:latin typeface="Microsoft JhengHei" panose="020B0604030504040204" pitchFamily="34" charset="-120"/>
-                <a:ea typeface="Microsoft JhengHei" panose="020B0604030504040204" pitchFamily="34" charset="-120"/>
-              </a:rPr>
-              <a:t>怒落在主頭</a:t>
-            </a:r>
-          </a:p>
-          <a:p>
-            <a:pPr marL="0" indent="0" algn="ctr">
-              <a:buNone/>
-            </a:pPr>
-            <a:r>
-              <a:rPr lang="zh-CN" altLang="zh-TW" sz="5400" b="1" dirty="0">
-                <a:solidFill>
-                  <a:srgbClr val="002060"/>
-                </a:solidFill>
-                <a:latin typeface="Microsoft JhengHei" panose="020B0604030504040204" pitchFamily="34" charset="-120"/>
-                <a:ea typeface="Microsoft JhengHei" panose="020B0604030504040204" pitchFamily="34" charset="-120"/>
-              </a:rPr>
-              <a:t>奇哉神怒都落在</a:t>
-            </a:r>
-            <a:r>
-              <a:rPr lang="zh-CN" altLang="zh-TW" sz="5400" b="1" dirty="0">
-                <a:solidFill>
-                  <a:srgbClr val="002060"/>
-                </a:solidFill>
-                <a:latin typeface="Microsoft JhengHei" panose="020B0604030504040204" pitchFamily="34" charset="-120"/>
-                <a:ea typeface="Microsoft JhengHei" panose="020B0604030504040204" pitchFamily="34" charset="-120"/>
-              </a:rPr>
-              <a:t>主</a:t>
-            </a:r>
-            <a:r>
-              <a:rPr lang="en-US" altLang="zh-CN" sz="5400" b="1" dirty="0">
-                <a:solidFill>
-                  <a:srgbClr val="002060"/>
-                </a:solidFill>
-                <a:latin typeface="Microsoft JhengHei" panose="020B0604030504040204" pitchFamily="34" charset="-120"/>
-                <a:ea typeface="Microsoft JhengHei" panose="020B0604030504040204" pitchFamily="34" charset="-120"/>
-              </a:rPr>
-              <a:t>  </a:t>
-            </a:r>
-            <a:r>
-              <a:rPr lang="zh-CN" altLang="zh-TW" sz="5400" b="1" dirty="0">
-                <a:solidFill>
-                  <a:srgbClr val="002060"/>
-                </a:solidFill>
-                <a:latin typeface="Microsoft JhengHei" panose="020B0604030504040204" pitchFamily="34" charset="-120"/>
-                <a:ea typeface="Microsoft JhengHei" panose="020B0604030504040204" pitchFamily="34" charset="-120"/>
-              </a:rPr>
-              <a:t>今</a:t>
-            </a:r>
-            <a:r>
-              <a:rPr lang="zh-CN" altLang="zh-TW" sz="5400" b="1" dirty="0">
-                <a:solidFill>
-                  <a:srgbClr val="002060"/>
-                </a:solidFill>
-                <a:latin typeface="Microsoft JhengHei" panose="020B0604030504040204" pitchFamily="34" charset="-120"/>
-                <a:ea typeface="Microsoft JhengHei" panose="020B0604030504040204" pitchFamily="34" charset="-120"/>
-              </a:rPr>
-              <a:t>我蒙恩深</a:t>
-            </a:r>
-            <a:r>
-              <a:rPr lang="zh-CN" altLang="zh-TW" sz="5400" b="1" dirty="0">
-                <a:solidFill>
-                  <a:srgbClr val="002060"/>
-                </a:solidFill>
-                <a:latin typeface="Microsoft JhengHei" panose="020B0604030504040204" pitchFamily="34" charset="-120"/>
-                <a:ea typeface="Microsoft JhengHei" panose="020B0604030504040204" pitchFamily="34" charset="-120"/>
-              </a:rPr>
-              <a:t>厚</a:t>
-            </a:r>
-            <a:endParaRPr lang="en-US" altLang="zh-CN" sz="5400" b="1" dirty="0">
-              <a:solidFill>
-                <a:srgbClr val="002060"/>
-              </a:solidFill>
-              <a:latin typeface="Microsoft JhengHei" panose="020B0604030504040204" pitchFamily="34" charset="-120"/>
-              <a:ea typeface="Microsoft JhengHei" panose="020B0604030504040204" pitchFamily="34" charset="-120"/>
-            </a:endParaRPr>
-          </a:p>
-          <a:p>
-            <a:pPr marL="0" indent="0" algn="ctr">
-              <a:buNone/>
-            </a:pPr>
-            <a:r>
-              <a:rPr lang="zh-CN" altLang="zh-TW" sz="5400" b="1" dirty="0">
-                <a:solidFill>
-                  <a:srgbClr val="002060"/>
-                </a:solidFill>
-                <a:latin typeface="Microsoft JhengHei" panose="020B0604030504040204" pitchFamily="34" charset="-120"/>
-                <a:ea typeface="Microsoft JhengHei" panose="020B0604030504040204" pitchFamily="34" charset="-120"/>
-              </a:rPr>
-              <a:t>受這大苦寶血流</a:t>
-            </a:r>
-            <a:r>
-              <a:rPr lang="zh-CN" altLang="zh-TW" sz="5400" b="1" dirty="0">
-                <a:solidFill>
-                  <a:srgbClr val="002060"/>
-                </a:solidFill>
-                <a:latin typeface="Microsoft JhengHei" panose="020B0604030504040204" pitchFamily="34" charset="-120"/>
-                <a:ea typeface="Microsoft JhengHei" panose="020B0604030504040204" pitchFamily="34" charset="-120"/>
-              </a:rPr>
-              <a:t>出</a:t>
-            </a:r>
-            <a:r>
-              <a:rPr lang="en-US" altLang="zh-CN" sz="5400" b="1" dirty="0">
-                <a:solidFill>
-                  <a:srgbClr val="002060"/>
-                </a:solidFill>
-                <a:latin typeface="Microsoft JhengHei" panose="020B0604030504040204" pitchFamily="34" charset="-120"/>
-                <a:ea typeface="Microsoft JhengHei" panose="020B0604030504040204" pitchFamily="34" charset="-120"/>
-              </a:rPr>
-              <a:t>  </a:t>
-            </a:r>
-            <a:r>
-              <a:rPr lang="zh-CN" altLang="zh-TW" sz="5400" b="1" dirty="0">
-                <a:solidFill>
-                  <a:srgbClr val="002060"/>
-                </a:solidFill>
-                <a:latin typeface="Microsoft JhengHei" panose="020B0604030504040204" pitchFamily="34" charset="-120"/>
-                <a:ea typeface="Microsoft JhengHei" panose="020B0604030504040204" pitchFamily="34" charset="-120"/>
-              </a:rPr>
-              <a:t>今</a:t>
-            </a:r>
-            <a:r>
-              <a:rPr lang="zh-CN" altLang="zh-TW" sz="5400" b="1" dirty="0">
-                <a:solidFill>
-                  <a:srgbClr val="002060"/>
-                </a:solidFill>
-                <a:latin typeface="Microsoft JhengHei" panose="020B0604030504040204" pitchFamily="34" charset="-120"/>
-                <a:ea typeface="Microsoft JhengHei" panose="020B0604030504040204" pitchFamily="34" charset="-120"/>
-              </a:rPr>
-              <a:t>我無苦可受</a:t>
-            </a:r>
-          </a:p>
-          <a:p>
-            <a:pPr marL="0" indent="0" algn="ctr">
-              <a:buNone/>
-            </a:pPr>
-            <a:r>
-              <a:rPr lang="zh-CN" altLang="zh-TW" sz="5400" b="1" dirty="0">
-                <a:solidFill>
-                  <a:srgbClr val="002060"/>
-                </a:solidFill>
-                <a:latin typeface="Microsoft JhengHei" panose="020B0604030504040204" pitchFamily="34" charset="-120"/>
-                <a:ea typeface="Microsoft JhengHei" panose="020B0604030504040204" pitchFamily="34" charset="-120"/>
-                <a:sym typeface="+mn-ea"/>
-              </a:rPr>
-              <a:t>受這大苦寶血流</a:t>
-            </a:r>
-            <a:r>
-              <a:rPr lang="zh-CN" altLang="zh-TW" sz="5400" b="1" dirty="0">
-                <a:solidFill>
-                  <a:srgbClr val="002060"/>
-                </a:solidFill>
-                <a:latin typeface="Microsoft JhengHei" panose="020B0604030504040204" pitchFamily="34" charset="-120"/>
-                <a:ea typeface="Microsoft JhengHei" panose="020B0604030504040204" pitchFamily="34" charset="-120"/>
-                <a:sym typeface="+mn-ea"/>
-              </a:rPr>
-              <a:t>出</a:t>
-            </a:r>
-            <a:r>
-              <a:rPr lang="en-US" altLang="zh-CN" sz="5400" b="1" dirty="0">
-                <a:solidFill>
-                  <a:srgbClr val="002060"/>
-                </a:solidFill>
-                <a:latin typeface="Microsoft JhengHei" panose="020B0604030504040204" pitchFamily="34" charset="-120"/>
-                <a:ea typeface="Microsoft JhengHei" panose="020B0604030504040204" pitchFamily="34" charset="-120"/>
-                <a:sym typeface="+mn-ea"/>
-              </a:rPr>
-              <a:t>  </a:t>
-            </a:r>
-            <a:r>
-              <a:rPr lang="zh-CN" altLang="zh-TW" sz="5400" b="1" dirty="0">
-                <a:solidFill>
-                  <a:srgbClr val="002060"/>
-                </a:solidFill>
-                <a:latin typeface="Microsoft JhengHei" panose="020B0604030504040204" pitchFamily="34" charset="-120"/>
-                <a:ea typeface="Microsoft JhengHei" panose="020B0604030504040204" pitchFamily="34" charset="-120"/>
-                <a:sym typeface="+mn-ea"/>
-              </a:rPr>
-              <a:t>今</a:t>
-            </a:r>
-            <a:r>
-              <a:rPr lang="zh-CN" altLang="zh-TW" sz="5400" b="1" dirty="0">
-                <a:solidFill>
-                  <a:srgbClr val="002060"/>
-                </a:solidFill>
-                <a:latin typeface="Microsoft JhengHei" panose="020B0604030504040204" pitchFamily="34" charset="-120"/>
-                <a:ea typeface="Microsoft JhengHei" panose="020B0604030504040204" pitchFamily="34" charset="-120"/>
-                <a:sym typeface="+mn-ea"/>
-              </a:rPr>
-              <a:t>我無苦可</a:t>
-            </a:r>
-            <a:r>
-              <a:rPr lang="zh-CN" altLang="zh-TW" sz="5400" b="1" dirty="0">
-                <a:solidFill>
-                  <a:srgbClr val="002060"/>
-                </a:solidFill>
-                <a:latin typeface="Microsoft JhengHei" panose="020B0604030504040204" pitchFamily="34" charset="-120"/>
-                <a:ea typeface="Microsoft JhengHei" panose="020B0604030504040204" pitchFamily="34" charset="-120"/>
-                <a:sym typeface="+mn-ea"/>
-              </a:rPr>
-              <a:t>受</a:t>
-            </a:r>
-            <a:endParaRPr lang="zh-CN" altLang="zh-TW" sz="5400" b="1" dirty="0">
-              <a:solidFill>
-                <a:srgbClr val="002060"/>
-              </a:solidFill>
-              <a:latin typeface="Microsoft JhengHei" panose="020B0604030504040204" pitchFamily="34" charset="-120"/>
-              <a:ea typeface="Microsoft JhengHei" panose="020B0604030504040204" pitchFamily="34" charset="-120"/>
-            </a:endParaRPr>
-          </a:p>
-        </p:txBody>
-      </p:sp>
-      <p:sp>
-        <p:nvSpPr>
-          <p:cNvPr id="6" name="Text Box 1"/>
-          <p:cNvSpPr txBox="1"/>
-          <p:nvPr/>
-        </p:nvSpPr>
-        <p:spPr>
-          <a:xfrm>
-            <a:off x="-5096" y="1700808"/>
-            <a:ext cx="1110522" cy="923330"/>
+            <a:off x="0" y="5061182"/>
+            <a:ext cx="12192000" cy="830997"/>
           </a:xfrm>
           <a:prstGeom prst="rect">
             <a:avLst/>
           </a:prstGeom>
           <a:noFill/>
-          <a:ln w="9525">
-            <a:noFill/>
-            <a:miter lim="800000"/>
-          </a:ln>
         </p:spPr>
         <p:txBody>
-          <a:bodyPr wrap="square">
+          <a:bodyPr wrap="square" rtlCol="0">
             <a:spAutoFit/>
           </a:bodyPr>
           <a:lstStyle/>
           <a:p>
             <a:pPr algn="ctr"/>
             <a:r>
-              <a:rPr lang="en-US" sz="5400" b="1" dirty="0">
-                <a:solidFill>
-                  <a:srgbClr val="002060"/>
-                </a:solidFill>
-              </a:rPr>
-              <a:t>3</a:t>
-            </a:r>
-            <a:r>
-              <a:rPr lang="en-US" sz="5400" b="1" dirty="0" smtClean="0">
-                <a:solidFill>
-                  <a:srgbClr val="002060"/>
-                </a:solidFill>
-              </a:rPr>
-              <a:t>.</a:t>
-            </a:r>
-            <a:endParaRPr lang="en-US" sz="5400" b="1" dirty="0">
+              <a:rPr lang="en-US" sz="4800" b="1" dirty="0">
+                <a:solidFill>
+                  <a:srgbClr val="660033"/>
+                </a:solidFill>
+              </a:rPr>
+              <a:t>( 1 )</a:t>
+            </a:r>
+            <a:endParaRPr lang="vi-VN" sz="4800" b="1" dirty="0">
               <a:solidFill>
-                <a:srgbClr val="002060"/>
+                <a:srgbClr val="660033"/>
               </a:solidFill>
             </a:endParaRPr>
           </a:p>
@@ -4931,7 +4930,7 @@
     </p:spTree>
     <p:extLst>
       <p:ext uri="{BB962C8B-B14F-4D97-AF65-F5344CB8AC3E}">
-        <p14:creationId xmlns:p14="http://schemas.microsoft.com/office/powerpoint/2010/main" val="457339468"/>
+        <p14:creationId xmlns:p14="http://schemas.microsoft.com/office/powerpoint/2010/main" val="3627598023"/>
       </p:ext>
     </p:extLst>
   </p:cSld>
@@ -4967,383 +4966,142 @@
       </p:grpSpPr>
       <p:sp>
         <p:nvSpPr>
-          <p:cNvPr id="4" name="Title 3"/>
-          <p:cNvSpPr>
-            <a:spLocks noGrp="1"/>
-          </p:cNvSpPr>
-          <p:nvPr>
-            <p:ph type="title"/>
-          </p:nvPr>
-        </p:nvSpPr>
-        <p:spPr/>
-        <p:txBody>
-          <a:bodyPr>
+          <p:cNvPr id="5" name="內容版面配置區 4"/>
+          <p:cNvSpPr>
+            <a:spLocks noGrp="1"/>
+          </p:cNvSpPr>
+          <p:nvPr>
+            <p:ph idx="1"/>
+          </p:nvPr>
+        </p:nvSpPr>
+        <p:spPr>
+          <a:xfrm>
+            <a:off x="0" y="2084851"/>
+            <a:ext cx="12192000" cy="2404863"/>
+          </a:xfrm>
+        </p:spPr>
+        <p:txBody>
+          <a:bodyPr anchor="ctr">
             <a:normAutofit/>
           </a:bodyPr>
           <a:lstStyle/>
           <a:p>
-            <a:r>
-              <a:rPr lang="en-US" altLang="zh-CN" sz="4800" b="1" dirty="0">
-                <a:solidFill>
-                  <a:srgbClr val="002060"/>
-                </a:solidFill>
-                <a:latin typeface="Microsoft JhengHei" panose="020B0604030504040204" pitchFamily="34" charset="-120"/>
-                <a:ea typeface="Microsoft JhengHei" panose="020B0604030504040204" pitchFamily="34" charset="-120"/>
-              </a:rPr>
-              <a:t>【</a:t>
-            </a:r>
-            <a:r>
-              <a:rPr lang="zh-CN" altLang="en-US" sz="4800" b="1" dirty="0">
-                <a:solidFill>
-                  <a:srgbClr val="002060"/>
-                </a:solidFill>
-                <a:latin typeface="Microsoft JhengHei" panose="020B0604030504040204" pitchFamily="34" charset="-120"/>
-                <a:ea typeface="Microsoft JhengHei" panose="020B0604030504040204" pitchFamily="34" charset="-120"/>
-              </a:rPr>
-              <a:t>聖餐</a:t>
-            </a:r>
-            <a:r>
-              <a:rPr lang="en-US" altLang="zh-CN" sz="4800" b="1" dirty="0">
-                <a:solidFill>
-                  <a:srgbClr val="002060"/>
-                </a:solidFill>
-                <a:latin typeface="Microsoft JhengHei" panose="020B0604030504040204" pitchFamily="34" charset="-120"/>
-                <a:ea typeface="Microsoft JhengHei" panose="020B0604030504040204" pitchFamily="34" charset="-120"/>
-              </a:rPr>
-              <a:t>】</a:t>
-            </a:r>
-          </a:p>
-        </p:txBody>
-      </p:sp>
-      <p:sp>
-        <p:nvSpPr>
-          <p:cNvPr id="5" name="Content Placeholder 4"/>
-          <p:cNvSpPr>
-            <a:spLocks noGrp="1"/>
-          </p:cNvSpPr>
-          <p:nvPr>
-            <p:ph idx="1"/>
-          </p:nvPr>
+            <a:pPr marL="0" indent="0" algn="ctr">
+              <a:buNone/>
+            </a:pPr>
+            <a:r>
+              <a:rPr lang="zh-CN" altLang="zh-TW" sz="6400" b="1" dirty="0">
+                <a:solidFill>
+                  <a:srgbClr val="660033"/>
+                </a:solidFill>
+                <a:latin typeface="Microsoft JhengHei" pitchFamily="34" charset="-120"/>
+                <a:ea typeface="Microsoft JhengHei" pitchFamily="34" charset="-120"/>
+              </a:rPr>
+              <a:t>成為犧牲甘入死</a:t>
+            </a:r>
+            <a:r>
+              <a:rPr lang="zh-CN" altLang="zh-TW" sz="6400" b="1" dirty="0">
+                <a:solidFill>
+                  <a:srgbClr val="660033"/>
+                </a:solidFill>
+                <a:latin typeface="Microsoft JhengHei" pitchFamily="34" charset="-120"/>
+                <a:ea typeface="Microsoft JhengHei" pitchFamily="34" charset="-120"/>
+              </a:rPr>
+              <a:t>門</a:t>
+            </a:r>
+            <a:endParaRPr lang="en-US" altLang="zh-CN" sz="6400" b="1" dirty="0">
+              <a:solidFill>
+                <a:srgbClr val="660033"/>
+              </a:solidFill>
+              <a:latin typeface="Microsoft JhengHei" pitchFamily="34" charset="-120"/>
+              <a:ea typeface="Microsoft JhengHei" pitchFamily="34" charset="-120"/>
+            </a:endParaRPr>
+          </a:p>
+          <a:p>
+            <a:pPr marL="0" indent="0" algn="ctr">
+              <a:buNone/>
+            </a:pPr>
+            <a:r>
+              <a:rPr lang="zh-CN" altLang="zh-TW" sz="6400" b="1" dirty="0">
+                <a:solidFill>
+                  <a:srgbClr val="660033"/>
+                </a:solidFill>
+                <a:latin typeface="Microsoft JhengHei" pitchFamily="34" charset="-120"/>
+                <a:ea typeface="Microsoft JhengHei" pitchFamily="34" charset="-120"/>
+              </a:rPr>
+              <a:t>今</a:t>
+            </a:r>
+            <a:r>
+              <a:rPr lang="zh-CN" altLang="zh-TW" sz="6400" b="1" dirty="0">
+                <a:solidFill>
+                  <a:srgbClr val="660033"/>
+                </a:solidFill>
+                <a:latin typeface="Microsoft JhengHei" pitchFamily="34" charset="-120"/>
+                <a:ea typeface="Microsoft JhengHei" pitchFamily="34" charset="-120"/>
+              </a:rPr>
+              <a:t>我無有罪擔</a:t>
+            </a:r>
+          </a:p>
+        </p:txBody>
+      </p:sp>
+      <p:sp>
+        <p:nvSpPr>
+          <p:cNvPr id="3" name="TextBox 2"/>
+          <p:cNvSpPr txBox="1"/>
+          <p:nvPr/>
         </p:nvSpPr>
         <p:spPr>
           <a:xfrm>
-            <a:off x="0" y="1600203"/>
-            <a:ext cx="12192000" cy="5257797"/>
-          </a:xfrm>
-        </p:spPr>
-        <p:txBody>
-          <a:bodyPr>
-            <a:normAutofit/>
-          </a:bodyPr>
-          <a:lstStyle/>
-          <a:p>
-            <a:pPr marL="0" indent="0" algn="ctr">
-              <a:buNone/>
-            </a:pPr>
-            <a:r>
-              <a:rPr lang="zh-CN" altLang="zh-TW" sz="5400" b="1" dirty="0">
-                <a:solidFill>
-                  <a:srgbClr val="002060"/>
-                </a:solidFill>
-                <a:latin typeface="Microsoft JhengHei" panose="020B0604030504040204" pitchFamily="34" charset="-120"/>
-                <a:ea typeface="Microsoft JhengHei" panose="020B0604030504040204" pitchFamily="34" charset="-120"/>
-              </a:rPr>
-              <a:t>我主耶穌為我受</a:t>
-            </a:r>
-            <a:r>
-              <a:rPr lang="zh-CN" altLang="zh-TW" sz="5400" b="1" dirty="0">
-                <a:solidFill>
-                  <a:srgbClr val="002060"/>
-                </a:solidFill>
-                <a:latin typeface="Microsoft JhengHei" panose="020B0604030504040204" pitchFamily="34" charset="-120"/>
-                <a:ea typeface="Microsoft JhengHei" panose="020B0604030504040204" pitchFamily="34" charset="-120"/>
-              </a:rPr>
-              <a:t>死</a:t>
-            </a:r>
-            <a:r>
-              <a:rPr lang="en-US" altLang="zh-CN" sz="5400" b="1" dirty="0">
-                <a:solidFill>
-                  <a:srgbClr val="002060"/>
-                </a:solidFill>
-                <a:latin typeface="Microsoft JhengHei" panose="020B0604030504040204" pitchFamily="34" charset="-120"/>
-                <a:ea typeface="Microsoft JhengHei" panose="020B0604030504040204" pitchFamily="34" charset="-120"/>
-              </a:rPr>
-              <a:t>  </a:t>
-            </a:r>
-            <a:r>
-              <a:rPr lang="zh-CN" altLang="zh-TW" sz="5400" b="1" dirty="0">
-                <a:solidFill>
-                  <a:srgbClr val="002060"/>
-                </a:solidFill>
-                <a:latin typeface="Microsoft JhengHei" panose="020B0604030504040204" pitchFamily="34" charset="-120"/>
-                <a:ea typeface="Microsoft JhengHei" panose="020B0604030504040204" pitchFamily="34" charset="-120"/>
-              </a:rPr>
-              <a:t>我</a:t>
-            </a:r>
-            <a:r>
-              <a:rPr lang="zh-CN" altLang="zh-TW" sz="5400" b="1" dirty="0">
-                <a:solidFill>
-                  <a:srgbClr val="002060"/>
-                </a:solidFill>
-                <a:latin typeface="Microsoft JhengHei" panose="020B0604030504040204" pitchFamily="34" charset="-120"/>
-                <a:ea typeface="Microsoft JhengHei" panose="020B0604030504040204" pitchFamily="34" charset="-120"/>
-              </a:rPr>
-              <a:t>也和主同死</a:t>
-            </a:r>
-          </a:p>
-          <a:p>
-            <a:pPr marL="0" indent="0" algn="ctr">
-              <a:buNone/>
-            </a:pPr>
-            <a:r>
-              <a:rPr lang="zh-CN" altLang="zh-TW" sz="5400" b="1" dirty="0">
-                <a:solidFill>
-                  <a:srgbClr val="002060"/>
-                </a:solidFill>
-                <a:latin typeface="Microsoft JhengHei" panose="020B0604030504040204" pitchFamily="34" charset="-120"/>
-                <a:ea typeface="Microsoft JhengHei" panose="020B0604030504040204" pitchFamily="34" charset="-120"/>
-              </a:rPr>
-              <a:t>主已復活為我後</a:t>
-            </a:r>
-            <a:r>
-              <a:rPr lang="zh-CN" altLang="zh-TW" sz="5400" b="1" dirty="0">
-                <a:solidFill>
-                  <a:srgbClr val="002060"/>
-                </a:solidFill>
-                <a:latin typeface="Microsoft JhengHei" panose="020B0604030504040204" pitchFamily="34" charset="-120"/>
-                <a:ea typeface="Microsoft JhengHei" panose="020B0604030504040204" pitchFamily="34" charset="-120"/>
-              </a:rPr>
-              <a:t>嗣</a:t>
-            </a:r>
-            <a:r>
-              <a:rPr lang="en-US" altLang="zh-CN" sz="5400" b="1" dirty="0">
-                <a:solidFill>
-                  <a:srgbClr val="002060"/>
-                </a:solidFill>
-                <a:latin typeface="Microsoft JhengHei" panose="020B0604030504040204" pitchFamily="34" charset="-120"/>
-                <a:ea typeface="Microsoft JhengHei" panose="020B0604030504040204" pitchFamily="34" charset="-120"/>
-              </a:rPr>
-              <a:t>  </a:t>
-            </a:r>
-            <a:r>
-              <a:rPr lang="zh-CN" altLang="zh-TW" sz="5400" b="1" dirty="0">
-                <a:solidFill>
-                  <a:srgbClr val="002060"/>
-                </a:solidFill>
-                <a:latin typeface="Microsoft JhengHei" panose="020B0604030504040204" pitchFamily="34" charset="-120"/>
-                <a:ea typeface="Microsoft JhengHei" panose="020B0604030504040204" pitchFamily="34" charset="-120"/>
-              </a:rPr>
-              <a:t>我</a:t>
-            </a:r>
-            <a:r>
-              <a:rPr lang="zh-CN" altLang="zh-TW" sz="5400" b="1" dirty="0">
-                <a:solidFill>
-                  <a:srgbClr val="002060"/>
-                </a:solidFill>
-                <a:latin typeface="Microsoft JhengHei" panose="020B0604030504040204" pitchFamily="34" charset="-120"/>
-                <a:ea typeface="Microsoft JhengHei" panose="020B0604030504040204" pitchFamily="34" charset="-120"/>
-              </a:rPr>
-              <a:t>同主作後</a:t>
-            </a:r>
-            <a:r>
-              <a:rPr lang="zh-CN" altLang="zh-TW" sz="5400" b="1" dirty="0">
-                <a:solidFill>
-                  <a:srgbClr val="002060"/>
-                </a:solidFill>
-                <a:latin typeface="Microsoft JhengHei" panose="020B0604030504040204" pitchFamily="34" charset="-120"/>
-                <a:ea typeface="Microsoft JhengHei" panose="020B0604030504040204" pitchFamily="34" charset="-120"/>
-              </a:rPr>
-              <a:t>嗣</a:t>
-            </a:r>
-            <a:endParaRPr lang="en-US" altLang="zh-CN" sz="5400" b="1" dirty="0">
-              <a:solidFill>
-                <a:srgbClr val="002060"/>
-              </a:solidFill>
-              <a:latin typeface="Microsoft JhengHei" panose="020B0604030504040204" pitchFamily="34" charset="-120"/>
-              <a:ea typeface="Microsoft JhengHei" panose="020B0604030504040204" pitchFamily="34" charset="-120"/>
-            </a:endParaRPr>
-          </a:p>
-          <a:p>
-            <a:pPr marL="0" indent="0" algn="ctr">
-              <a:buNone/>
-            </a:pPr>
-            <a:r>
-              <a:rPr lang="zh-CN" altLang="zh-TW" sz="5400" b="1" dirty="0">
-                <a:solidFill>
-                  <a:srgbClr val="002060"/>
-                </a:solidFill>
-                <a:latin typeface="Microsoft JhengHei" panose="020B0604030504040204" pitchFamily="34" charset="-120"/>
-                <a:ea typeface="Microsoft JhengHei" panose="020B0604030504040204" pitchFamily="34" charset="-120"/>
-              </a:rPr>
-              <a:t>將得升天永見主</a:t>
-            </a:r>
-            <a:r>
-              <a:rPr lang="zh-CN" altLang="zh-TW" sz="5400" b="1" dirty="0">
-                <a:solidFill>
-                  <a:srgbClr val="002060"/>
-                </a:solidFill>
-                <a:latin typeface="Microsoft JhengHei" panose="020B0604030504040204" pitchFamily="34" charset="-120"/>
-                <a:ea typeface="Microsoft JhengHei" panose="020B0604030504040204" pitchFamily="34" charset="-120"/>
-              </a:rPr>
-              <a:t>面</a:t>
-            </a:r>
-            <a:r>
-              <a:rPr lang="en-US" altLang="zh-CN" sz="5400" b="1" dirty="0">
-                <a:solidFill>
-                  <a:srgbClr val="002060"/>
-                </a:solidFill>
-                <a:latin typeface="Microsoft JhengHei" panose="020B0604030504040204" pitchFamily="34" charset="-120"/>
-                <a:ea typeface="Microsoft JhengHei" panose="020B0604030504040204" pitchFamily="34" charset="-120"/>
-              </a:rPr>
-              <a:t>  </a:t>
-            </a:r>
-            <a:r>
-              <a:rPr lang="zh-CN" altLang="zh-TW" sz="5400" b="1" dirty="0">
-                <a:solidFill>
-                  <a:srgbClr val="002060"/>
-                </a:solidFill>
-                <a:latin typeface="Microsoft JhengHei" panose="020B0604030504040204" pitchFamily="34" charset="-120"/>
-                <a:ea typeface="Microsoft JhengHei" panose="020B0604030504040204" pitchFamily="34" charset="-120"/>
-              </a:rPr>
-              <a:t>同</a:t>
-            </a:r>
-            <a:r>
-              <a:rPr lang="zh-CN" altLang="zh-TW" sz="5400" b="1" dirty="0">
-                <a:solidFill>
-                  <a:srgbClr val="002060"/>
-                </a:solidFill>
-                <a:latin typeface="Microsoft JhengHei" panose="020B0604030504040204" pitchFamily="34" charset="-120"/>
-                <a:ea typeface="Microsoft JhengHei" panose="020B0604030504040204" pitchFamily="34" charset="-120"/>
-              </a:rPr>
-              <a:t>主享福萬年</a:t>
-            </a:r>
-          </a:p>
-          <a:p>
-            <a:pPr marL="0" indent="0" algn="ctr">
-              <a:buNone/>
-            </a:pPr>
-            <a:r>
-              <a:rPr lang="zh-CN" altLang="zh-TW" sz="5400" b="1" dirty="0">
-                <a:solidFill>
-                  <a:srgbClr val="002060"/>
-                </a:solidFill>
-                <a:latin typeface="Microsoft JhengHei" panose="020B0604030504040204" pitchFamily="34" charset="-120"/>
-                <a:ea typeface="Microsoft JhengHei" panose="020B0604030504040204" pitchFamily="34" charset="-120"/>
-                <a:sym typeface="+mn-ea"/>
-              </a:rPr>
-              <a:t>將得升天永見主</a:t>
-            </a:r>
-            <a:r>
-              <a:rPr lang="zh-CN" altLang="zh-TW" sz="5400" b="1" dirty="0">
-                <a:solidFill>
-                  <a:srgbClr val="002060"/>
-                </a:solidFill>
-                <a:latin typeface="Microsoft JhengHei" panose="020B0604030504040204" pitchFamily="34" charset="-120"/>
-                <a:ea typeface="Microsoft JhengHei" panose="020B0604030504040204" pitchFamily="34" charset="-120"/>
-                <a:sym typeface="+mn-ea"/>
-              </a:rPr>
-              <a:t>面</a:t>
-            </a:r>
-            <a:r>
-              <a:rPr lang="en-US" altLang="zh-CN" sz="5400" b="1" dirty="0">
-                <a:solidFill>
-                  <a:srgbClr val="002060"/>
-                </a:solidFill>
-                <a:latin typeface="Microsoft JhengHei" panose="020B0604030504040204" pitchFamily="34" charset="-120"/>
-                <a:ea typeface="Microsoft JhengHei" panose="020B0604030504040204" pitchFamily="34" charset="-120"/>
-                <a:sym typeface="+mn-ea"/>
-              </a:rPr>
-              <a:t>  </a:t>
-            </a:r>
-            <a:r>
-              <a:rPr lang="zh-CN" altLang="zh-TW" sz="5400" b="1" dirty="0">
-                <a:solidFill>
-                  <a:srgbClr val="002060"/>
-                </a:solidFill>
-                <a:latin typeface="Microsoft JhengHei" panose="020B0604030504040204" pitchFamily="34" charset="-120"/>
-                <a:ea typeface="Microsoft JhengHei" panose="020B0604030504040204" pitchFamily="34" charset="-120"/>
-                <a:sym typeface="+mn-ea"/>
-              </a:rPr>
-              <a:t>同</a:t>
-            </a:r>
-            <a:r>
-              <a:rPr lang="zh-CN" altLang="zh-TW" sz="5400" b="1" dirty="0">
-                <a:solidFill>
-                  <a:srgbClr val="002060"/>
-                </a:solidFill>
-                <a:latin typeface="Microsoft JhengHei" panose="020B0604030504040204" pitchFamily="34" charset="-120"/>
-                <a:ea typeface="Microsoft JhengHei" panose="020B0604030504040204" pitchFamily="34" charset="-120"/>
-                <a:sym typeface="+mn-ea"/>
-              </a:rPr>
-              <a:t>主享福萬</a:t>
-            </a:r>
-            <a:r>
-              <a:rPr lang="zh-CN" altLang="zh-TW" sz="5400" b="1" dirty="0">
-                <a:solidFill>
-                  <a:srgbClr val="002060"/>
-                </a:solidFill>
-                <a:latin typeface="Microsoft JhengHei" panose="020B0604030504040204" pitchFamily="34" charset="-120"/>
-                <a:ea typeface="Microsoft JhengHei" panose="020B0604030504040204" pitchFamily="34" charset="-120"/>
-                <a:sym typeface="+mn-ea"/>
-              </a:rPr>
-              <a:t>年</a:t>
-            </a:r>
-            <a:endParaRPr lang="zh-CN" altLang="zh-TW" sz="5400" b="1" dirty="0">
-              <a:solidFill>
-                <a:srgbClr val="002060"/>
-              </a:solidFill>
-              <a:latin typeface="Microsoft JhengHei" panose="020B0604030504040204" pitchFamily="34" charset="-120"/>
-              <a:ea typeface="Microsoft JhengHei" panose="020B0604030504040204" pitchFamily="34" charset="-120"/>
-            </a:endParaRPr>
-          </a:p>
-        </p:txBody>
-      </p:sp>
-      <p:sp>
-        <p:nvSpPr>
-          <p:cNvPr id="6" name="Text Box 1"/>
-          <p:cNvSpPr txBox="1"/>
-          <p:nvPr/>
-        </p:nvSpPr>
-        <p:spPr>
-          <a:xfrm>
-            <a:off x="-5096" y="1700808"/>
-            <a:ext cx="1110522" cy="923330"/>
+            <a:off x="0" y="5061182"/>
+            <a:ext cx="12192000" cy="830997"/>
           </a:xfrm>
           <a:prstGeom prst="rect">
             <a:avLst/>
           </a:prstGeom>
           <a:noFill/>
-          <a:ln w="9525">
-            <a:noFill/>
-            <a:miter lim="800000"/>
-          </a:ln>
         </p:spPr>
         <p:txBody>
-          <a:bodyPr wrap="square">
+          <a:bodyPr wrap="square" rtlCol="0">
             <a:spAutoFit/>
           </a:bodyPr>
           <a:lstStyle/>
           <a:p>
             <a:pPr algn="ctr"/>
             <a:r>
-              <a:rPr lang="en-US" sz="5400" b="1" dirty="0">
-                <a:solidFill>
-                  <a:srgbClr val="002060"/>
-                </a:solidFill>
-              </a:rPr>
-              <a:t>4</a:t>
-            </a:r>
-            <a:r>
-              <a:rPr lang="en-US" sz="5400" b="1" dirty="0" smtClean="0">
-                <a:solidFill>
-                  <a:srgbClr val="002060"/>
-                </a:solidFill>
-              </a:rPr>
-              <a:t>.</a:t>
-            </a:r>
-            <a:endParaRPr lang="en-US" sz="5400" b="1" dirty="0">
+              <a:rPr lang="en-US" sz="4800" b="1" dirty="0">
+                <a:solidFill>
+                  <a:srgbClr val="660033"/>
+                </a:solidFill>
+              </a:rPr>
+              <a:t>( 1 </a:t>
+            </a:r>
+            <a:r>
+              <a:rPr lang="en-US" sz="4800" b="1" dirty="0" smtClean="0">
+                <a:solidFill>
+                  <a:srgbClr val="660033"/>
+                </a:solidFill>
+              </a:rPr>
+              <a:t>)</a:t>
+            </a:r>
+            <a:r>
+              <a:rPr lang="en-US" sz="4800" b="1" dirty="0">
+                <a:solidFill>
+                  <a:srgbClr val="660033"/>
+                </a:solidFill>
+              </a:rPr>
+              <a:t> ( </a:t>
+            </a:r>
+            <a:r>
+              <a:rPr lang="en-US" sz="4800" b="1" dirty="0" smtClean="0">
+                <a:solidFill>
+                  <a:srgbClr val="660033"/>
+                </a:solidFill>
+              </a:rPr>
+              <a:t>x2 )</a:t>
+            </a:r>
+            <a:endParaRPr lang="vi-VN" sz="4800" b="1" dirty="0">
               <a:solidFill>
-                <a:srgbClr val="002060"/>
+                <a:srgbClr val="660033"/>
               </a:solidFill>
             </a:endParaRPr>
           </a:p>
@@ -5352,7 +5110,889 @@
     </p:spTree>
     <p:extLst>
       <p:ext uri="{BB962C8B-B14F-4D97-AF65-F5344CB8AC3E}">
-        <p14:creationId xmlns:p14="http://schemas.microsoft.com/office/powerpoint/2010/main" val="1000164980"/>
+        <p14:creationId xmlns:p14="http://schemas.microsoft.com/office/powerpoint/2010/main" val="839875362"/>
+      </p:ext>
+    </p:extLst>
+  </p:cSld>
+  <p:clrMapOvr>
+    <a:masterClrMapping/>
+  </p:clrMapOvr>
+  <p:timing>
+    <p:tnLst>
+      <p:par>
+        <p:cTn id="1" dur="indefinite" restart="never" nodeType="tmRoot"/>
+      </p:par>
+    </p:tnLst>
+  </p:timing>
+</p:sld>
+</file>
+
+<file path=ppt/slides/slide5.xml><?xml version="1.0" encoding="utf-8"?>
+<p:sld xmlns:a="http://schemas.openxmlformats.org/drawingml/2006/main" xmlns:r="http://schemas.openxmlformats.org/officeDocument/2006/relationships" xmlns:p="http://schemas.openxmlformats.org/presentationml/2006/main">
+  <p:cSld>
+    <p:spTree>
+      <p:nvGrpSpPr>
+        <p:cNvPr id="1" name=""/>
+        <p:cNvGrpSpPr/>
+        <p:nvPr/>
+      </p:nvGrpSpPr>
+      <p:grpSpPr>
+        <a:xfrm>
+          <a:off x="0" y="0"/>
+          <a:ext cx="0" cy="0"/>
+          <a:chOff x="0" y="0"/>
+          <a:chExt cx="0" cy="0"/>
+        </a:xfrm>
+      </p:grpSpPr>
+      <p:sp>
+        <p:nvSpPr>
+          <p:cNvPr id="5" name="內容版面配置區 4"/>
+          <p:cNvSpPr>
+            <a:spLocks noGrp="1"/>
+          </p:cNvSpPr>
+          <p:nvPr>
+            <p:ph idx="1"/>
+          </p:nvPr>
+        </p:nvSpPr>
+        <p:spPr>
+          <a:xfrm>
+            <a:off x="0" y="2084851"/>
+            <a:ext cx="12192000" cy="2404863"/>
+          </a:xfrm>
+        </p:spPr>
+        <p:txBody>
+          <a:bodyPr anchor="ctr">
+            <a:normAutofit/>
+          </a:bodyPr>
+          <a:lstStyle/>
+          <a:p>
+            <a:pPr marL="0" indent="0" algn="ctr">
+              <a:buNone/>
+            </a:pPr>
+            <a:r>
+              <a:rPr lang="zh-CN" altLang="zh-TW" sz="6400" b="1" dirty="0">
+                <a:solidFill>
+                  <a:srgbClr val="660033"/>
+                </a:solidFill>
+                <a:latin typeface="Microsoft JhengHei" pitchFamily="34" charset="-120"/>
+                <a:ea typeface="Microsoft JhengHei" pitchFamily="34" charset="-120"/>
+              </a:rPr>
+              <a:t>我等苦杯盛滿死</a:t>
+            </a:r>
+            <a:r>
+              <a:rPr lang="zh-CN" altLang="zh-TW" sz="6400" b="1" dirty="0">
+                <a:solidFill>
+                  <a:srgbClr val="660033"/>
+                </a:solidFill>
+                <a:latin typeface="Microsoft JhengHei" pitchFamily="34" charset="-120"/>
+                <a:ea typeface="Microsoft JhengHei" pitchFamily="34" charset="-120"/>
+              </a:rPr>
+              <a:t>亡</a:t>
+            </a:r>
+            <a:endParaRPr lang="en-US" altLang="zh-CN" sz="6400" b="1" dirty="0">
+              <a:solidFill>
+                <a:srgbClr val="660033"/>
+              </a:solidFill>
+              <a:latin typeface="Microsoft JhengHei" pitchFamily="34" charset="-120"/>
+              <a:ea typeface="Microsoft JhengHei" pitchFamily="34" charset="-120"/>
+            </a:endParaRPr>
+          </a:p>
+          <a:p>
+            <a:pPr marL="0" indent="0" algn="ctr">
+              <a:buNone/>
+            </a:pPr>
+            <a:r>
+              <a:rPr lang="zh-CN" altLang="zh-TW" sz="6400" b="1" dirty="0">
+                <a:solidFill>
+                  <a:srgbClr val="660033"/>
+                </a:solidFill>
+                <a:latin typeface="Microsoft JhengHei" pitchFamily="34" charset="-120"/>
+                <a:ea typeface="Microsoft JhengHei" pitchFamily="34" charset="-120"/>
+              </a:rPr>
+              <a:t>救</a:t>
+            </a:r>
+            <a:r>
+              <a:rPr lang="zh-CN" altLang="zh-TW" sz="6400" b="1" dirty="0">
+                <a:solidFill>
+                  <a:srgbClr val="660033"/>
+                </a:solidFill>
+                <a:latin typeface="Microsoft JhengHei" pitchFamily="34" charset="-120"/>
+                <a:ea typeface="Microsoft JhengHei" pitchFamily="34" charset="-120"/>
+              </a:rPr>
+              <a:t>主曾替我喝</a:t>
+            </a:r>
+          </a:p>
+        </p:txBody>
+      </p:sp>
+      <p:sp>
+        <p:nvSpPr>
+          <p:cNvPr id="3" name="TextBox 2"/>
+          <p:cNvSpPr txBox="1"/>
+          <p:nvPr/>
+        </p:nvSpPr>
+        <p:spPr>
+          <a:xfrm>
+            <a:off x="0" y="5061182"/>
+            <a:ext cx="12192000" cy="830997"/>
+          </a:xfrm>
+          <a:prstGeom prst="rect">
+            <a:avLst/>
+          </a:prstGeom>
+          <a:noFill/>
+        </p:spPr>
+        <p:txBody>
+          <a:bodyPr wrap="square" rtlCol="0">
+            <a:spAutoFit/>
+          </a:bodyPr>
+          <a:lstStyle/>
+          <a:p>
+            <a:pPr algn="ctr"/>
+            <a:r>
+              <a:rPr lang="en-US" sz="4800" b="1" dirty="0">
+                <a:solidFill>
+                  <a:srgbClr val="660033"/>
+                </a:solidFill>
+              </a:rPr>
+              <a:t>( </a:t>
+            </a:r>
+            <a:r>
+              <a:rPr lang="en-US" sz="4800" b="1" dirty="0" smtClean="0">
+                <a:solidFill>
+                  <a:srgbClr val="660033"/>
+                </a:solidFill>
+              </a:rPr>
+              <a:t>2 </a:t>
+            </a:r>
+            <a:r>
+              <a:rPr lang="en-US" sz="4800" b="1" dirty="0">
+                <a:solidFill>
+                  <a:srgbClr val="660033"/>
+                </a:solidFill>
+              </a:rPr>
+              <a:t>)</a:t>
+            </a:r>
+            <a:endParaRPr lang="vi-VN" sz="4800" b="1" dirty="0">
+              <a:solidFill>
+                <a:srgbClr val="660033"/>
+              </a:solidFill>
+            </a:endParaRPr>
+          </a:p>
+        </p:txBody>
+      </p:sp>
+    </p:spTree>
+    <p:extLst>
+      <p:ext uri="{BB962C8B-B14F-4D97-AF65-F5344CB8AC3E}">
+        <p14:creationId xmlns:p14="http://schemas.microsoft.com/office/powerpoint/2010/main" val="3641915623"/>
+      </p:ext>
+    </p:extLst>
+  </p:cSld>
+  <p:clrMapOvr>
+    <a:masterClrMapping/>
+  </p:clrMapOvr>
+  <p:timing>
+    <p:tnLst>
+      <p:par>
+        <p:cTn id="1" dur="indefinite" restart="never" nodeType="tmRoot"/>
+      </p:par>
+    </p:tnLst>
+  </p:timing>
+</p:sld>
+</file>
+
+<file path=ppt/slides/slide6.xml><?xml version="1.0" encoding="utf-8"?>
+<p:sld xmlns:a="http://schemas.openxmlformats.org/drawingml/2006/main" xmlns:r="http://schemas.openxmlformats.org/officeDocument/2006/relationships" xmlns:p="http://schemas.openxmlformats.org/presentationml/2006/main">
+  <p:cSld>
+    <p:spTree>
+      <p:nvGrpSpPr>
+        <p:cNvPr id="1" name=""/>
+        <p:cNvGrpSpPr/>
+        <p:nvPr/>
+      </p:nvGrpSpPr>
+      <p:grpSpPr>
+        <a:xfrm>
+          <a:off x="0" y="0"/>
+          <a:ext cx="0" cy="0"/>
+          <a:chOff x="0" y="0"/>
+          <a:chExt cx="0" cy="0"/>
+        </a:xfrm>
+      </p:grpSpPr>
+      <p:sp>
+        <p:nvSpPr>
+          <p:cNvPr id="5" name="內容版面配置區 4"/>
+          <p:cNvSpPr>
+            <a:spLocks noGrp="1"/>
+          </p:cNvSpPr>
+          <p:nvPr>
+            <p:ph idx="1"/>
+          </p:nvPr>
+        </p:nvSpPr>
+        <p:spPr>
+          <a:xfrm>
+            <a:off x="0" y="2084851"/>
+            <a:ext cx="12192000" cy="2404863"/>
+          </a:xfrm>
+        </p:spPr>
+        <p:txBody>
+          <a:bodyPr anchor="ctr">
+            <a:normAutofit/>
+          </a:bodyPr>
+          <a:lstStyle/>
+          <a:p>
+            <a:pPr marL="0" indent="0" algn="ctr">
+              <a:buNone/>
+            </a:pPr>
+            <a:r>
+              <a:rPr lang="zh-CN" altLang="zh-TW" sz="6400" b="1" dirty="0">
+                <a:solidFill>
+                  <a:srgbClr val="660033"/>
+                </a:solidFill>
+                <a:latin typeface="Microsoft JhengHei" pitchFamily="34" charset="-120"/>
+                <a:ea typeface="Microsoft JhengHei" pitchFamily="34" charset="-120"/>
+              </a:rPr>
+              <a:t>哀哉苦杯主替我</a:t>
+            </a:r>
+            <a:r>
+              <a:rPr lang="zh-CN" altLang="zh-TW" sz="6400" b="1" dirty="0">
+                <a:solidFill>
+                  <a:srgbClr val="660033"/>
+                </a:solidFill>
+                <a:latin typeface="Microsoft JhengHei" pitchFamily="34" charset="-120"/>
+                <a:ea typeface="Microsoft JhengHei" pitchFamily="34" charset="-120"/>
+              </a:rPr>
+              <a:t>嘗</a:t>
+            </a:r>
+            <a:endParaRPr lang="en-US" altLang="zh-CN" sz="6400" b="1" dirty="0">
+              <a:solidFill>
+                <a:srgbClr val="660033"/>
+              </a:solidFill>
+              <a:latin typeface="Microsoft JhengHei" pitchFamily="34" charset="-120"/>
+              <a:ea typeface="Microsoft JhengHei" pitchFamily="34" charset="-120"/>
+            </a:endParaRPr>
+          </a:p>
+          <a:p>
+            <a:pPr marL="0" indent="0" algn="ctr">
+              <a:buNone/>
+            </a:pPr>
+            <a:r>
+              <a:rPr lang="zh-CN" altLang="zh-TW" sz="6400" b="1" dirty="0">
+                <a:solidFill>
+                  <a:srgbClr val="660033"/>
+                </a:solidFill>
+                <a:latin typeface="Microsoft JhengHei" pitchFamily="34" charset="-120"/>
+                <a:ea typeface="Microsoft JhengHei" pitchFamily="34" charset="-120"/>
+              </a:rPr>
+              <a:t>只</a:t>
+            </a:r>
+            <a:r>
+              <a:rPr lang="zh-CN" altLang="zh-TW" sz="6400" b="1" dirty="0">
+                <a:solidFill>
+                  <a:srgbClr val="660033"/>
+                </a:solidFill>
+                <a:latin typeface="Microsoft JhengHei" pitchFamily="34" charset="-120"/>
+                <a:ea typeface="Microsoft JhengHei" pitchFamily="34" charset="-120"/>
+              </a:rPr>
+              <a:t>留空杯給我</a:t>
+            </a:r>
+            <a:endParaRPr lang="en-US" altLang="zh-CN" sz="6400" b="1" dirty="0">
+              <a:solidFill>
+                <a:srgbClr val="660033"/>
+              </a:solidFill>
+              <a:latin typeface="Microsoft JhengHei" pitchFamily="34" charset="-120"/>
+              <a:ea typeface="Microsoft JhengHei" pitchFamily="34" charset="-120"/>
+            </a:endParaRPr>
+          </a:p>
+        </p:txBody>
+      </p:sp>
+      <p:sp>
+        <p:nvSpPr>
+          <p:cNvPr id="3" name="TextBox 2"/>
+          <p:cNvSpPr txBox="1"/>
+          <p:nvPr/>
+        </p:nvSpPr>
+        <p:spPr>
+          <a:xfrm>
+            <a:off x="0" y="5061182"/>
+            <a:ext cx="12192000" cy="830997"/>
+          </a:xfrm>
+          <a:prstGeom prst="rect">
+            <a:avLst/>
+          </a:prstGeom>
+          <a:noFill/>
+        </p:spPr>
+        <p:txBody>
+          <a:bodyPr wrap="square" rtlCol="0">
+            <a:spAutoFit/>
+          </a:bodyPr>
+          <a:lstStyle/>
+          <a:p>
+            <a:pPr algn="ctr"/>
+            <a:r>
+              <a:rPr lang="en-US" sz="4800" b="1" dirty="0">
+                <a:solidFill>
+                  <a:srgbClr val="660033"/>
+                </a:solidFill>
+              </a:rPr>
+              <a:t>( </a:t>
+            </a:r>
+            <a:r>
+              <a:rPr lang="en-US" sz="4800" b="1" dirty="0" smtClean="0">
+                <a:solidFill>
+                  <a:srgbClr val="660033"/>
+                </a:solidFill>
+              </a:rPr>
+              <a:t>2 </a:t>
+            </a:r>
+            <a:r>
+              <a:rPr lang="en-US" sz="4800" b="1" dirty="0">
+                <a:solidFill>
+                  <a:srgbClr val="660033"/>
+                </a:solidFill>
+              </a:rPr>
+              <a:t>)</a:t>
+            </a:r>
+            <a:endParaRPr lang="vi-VN" sz="4800" b="1" dirty="0">
+              <a:solidFill>
+                <a:srgbClr val="660033"/>
+              </a:solidFill>
+            </a:endParaRPr>
+          </a:p>
+        </p:txBody>
+      </p:sp>
+    </p:spTree>
+    <p:extLst>
+      <p:ext uri="{BB962C8B-B14F-4D97-AF65-F5344CB8AC3E}">
+        <p14:creationId xmlns:p14="http://schemas.microsoft.com/office/powerpoint/2010/main" val="2708002519"/>
+      </p:ext>
+    </p:extLst>
+  </p:cSld>
+  <p:clrMapOvr>
+    <a:masterClrMapping/>
+  </p:clrMapOvr>
+  <p:timing>
+    <p:tnLst>
+      <p:par>
+        <p:cTn id="1" dur="indefinite" restart="never" nodeType="tmRoot"/>
+      </p:par>
+    </p:tnLst>
+  </p:timing>
+</p:sld>
+</file>
+
+<file path=ppt/slides/slide7.xml><?xml version="1.0" encoding="utf-8"?>
+<p:sld xmlns:a="http://schemas.openxmlformats.org/drawingml/2006/main" xmlns:r="http://schemas.openxmlformats.org/officeDocument/2006/relationships" xmlns:p="http://schemas.openxmlformats.org/presentationml/2006/main">
+  <p:cSld>
+    <p:spTree>
+      <p:nvGrpSpPr>
+        <p:cNvPr id="1" name=""/>
+        <p:cNvGrpSpPr/>
+        <p:nvPr/>
+      </p:nvGrpSpPr>
+      <p:grpSpPr>
+        <a:xfrm>
+          <a:off x="0" y="0"/>
+          <a:ext cx="0" cy="0"/>
+          <a:chOff x="0" y="0"/>
+          <a:chExt cx="0" cy="0"/>
+        </a:xfrm>
+      </p:grpSpPr>
+      <p:sp>
+        <p:nvSpPr>
+          <p:cNvPr id="5" name="內容版面配置區 4"/>
+          <p:cNvSpPr>
+            <a:spLocks noGrp="1"/>
+          </p:cNvSpPr>
+          <p:nvPr>
+            <p:ph idx="1"/>
+          </p:nvPr>
+        </p:nvSpPr>
+        <p:spPr>
+          <a:xfrm>
+            <a:off x="0" y="2084851"/>
+            <a:ext cx="12192000" cy="2404863"/>
+          </a:xfrm>
+        </p:spPr>
+        <p:txBody>
+          <a:bodyPr anchor="ctr">
+            <a:normAutofit/>
+          </a:bodyPr>
+          <a:lstStyle/>
+          <a:p>
+            <a:pPr marL="0" indent="0" algn="ctr">
+              <a:buNone/>
+            </a:pPr>
+            <a:r>
+              <a:rPr lang="zh-CN" altLang="zh-TW" sz="6400" b="1" dirty="0">
+                <a:solidFill>
+                  <a:srgbClr val="660033"/>
+                </a:solidFill>
+                <a:latin typeface="Microsoft JhengHei" pitchFamily="34" charset="-120"/>
+                <a:ea typeface="Microsoft JhengHei" pitchFamily="34" charset="-120"/>
+              </a:rPr>
+              <a:t>苦杯主嘗身體受</a:t>
+            </a:r>
+            <a:r>
+              <a:rPr lang="zh-CN" altLang="zh-TW" sz="6400" b="1" dirty="0">
+                <a:solidFill>
+                  <a:srgbClr val="660033"/>
+                </a:solidFill>
+                <a:latin typeface="Microsoft JhengHei" pitchFamily="34" charset="-120"/>
+                <a:ea typeface="Microsoft JhengHei" pitchFamily="34" charset="-120"/>
+              </a:rPr>
+              <a:t>傷</a:t>
+            </a:r>
+            <a:endParaRPr lang="en-US" altLang="zh-CN" sz="6400" b="1" dirty="0">
+              <a:solidFill>
+                <a:srgbClr val="660033"/>
+              </a:solidFill>
+              <a:latin typeface="Microsoft JhengHei" pitchFamily="34" charset="-120"/>
+              <a:ea typeface="Microsoft JhengHei" pitchFamily="34" charset="-120"/>
+            </a:endParaRPr>
+          </a:p>
+          <a:p>
+            <a:pPr marL="0" indent="0" algn="ctr">
+              <a:buNone/>
+            </a:pPr>
+            <a:r>
+              <a:rPr lang="zh-CN" altLang="zh-TW" sz="6400" b="1" dirty="0">
+                <a:solidFill>
+                  <a:srgbClr val="660033"/>
+                </a:solidFill>
+                <a:latin typeface="Microsoft JhengHei" pitchFamily="34" charset="-120"/>
+                <a:ea typeface="Microsoft JhengHei" pitchFamily="34" charset="-120"/>
+              </a:rPr>
+              <a:t>今</a:t>
+            </a:r>
+            <a:r>
+              <a:rPr lang="zh-CN" altLang="zh-TW" sz="6400" b="1" dirty="0">
+                <a:solidFill>
+                  <a:srgbClr val="660033"/>
+                </a:solidFill>
+                <a:latin typeface="Microsoft JhengHei" pitchFamily="34" charset="-120"/>
+                <a:ea typeface="Microsoft JhengHei" pitchFamily="34" charset="-120"/>
+              </a:rPr>
+              <a:t>賜福杯與我</a:t>
+            </a:r>
+          </a:p>
+        </p:txBody>
+      </p:sp>
+      <p:sp>
+        <p:nvSpPr>
+          <p:cNvPr id="3" name="TextBox 2"/>
+          <p:cNvSpPr txBox="1"/>
+          <p:nvPr/>
+        </p:nvSpPr>
+        <p:spPr>
+          <a:xfrm>
+            <a:off x="0" y="5061182"/>
+            <a:ext cx="12192000" cy="830997"/>
+          </a:xfrm>
+          <a:prstGeom prst="rect">
+            <a:avLst/>
+          </a:prstGeom>
+          <a:noFill/>
+        </p:spPr>
+        <p:txBody>
+          <a:bodyPr wrap="square" rtlCol="0">
+            <a:spAutoFit/>
+          </a:bodyPr>
+          <a:lstStyle/>
+          <a:p>
+            <a:pPr algn="ctr"/>
+            <a:r>
+              <a:rPr lang="en-US" sz="4800" b="1" dirty="0">
+                <a:solidFill>
+                  <a:srgbClr val="660033"/>
+                </a:solidFill>
+              </a:rPr>
+              <a:t>( </a:t>
+            </a:r>
+            <a:r>
+              <a:rPr lang="en-US" sz="4800" b="1" dirty="0" smtClean="0">
+                <a:solidFill>
+                  <a:srgbClr val="660033"/>
+                </a:solidFill>
+              </a:rPr>
+              <a:t>2 )</a:t>
+            </a:r>
+            <a:r>
+              <a:rPr lang="en-US" sz="4800" b="1" dirty="0">
+                <a:solidFill>
+                  <a:srgbClr val="660033"/>
+                </a:solidFill>
+              </a:rPr>
+              <a:t> ( </a:t>
+            </a:r>
+            <a:r>
+              <a:rPr lang="en-US" sz="4800" b="1" dirty="0" smtClean="0">
+                <a:solidFill>
+                  <a:srgbClr val="660033"/>
+                </a:solidFill>
+              </a:rPr>
+              <a:t>x2 )</a:t>
+            </a:r>
+            <a:endParaRPr lang="vi-VN" sz="4800" b="1" dirty="0">
+              <a:solidFill>
+                <a:srgbClr val="660033"/>
+              </a:solidFill>
+            </a:endParaRPr>
+          </a:p>
+        </p:txBody>
+      </p:sp>
+    </p:spTree>
+    <p:extLst>
+      <p:ext uri="{BB962C8B-B14F-4D97-AF65-F5344CB8AC3E}">
+        <p14:creationId xmlns:p14="http://schemas.microsoft.com/office/powerpoint/2010/main" val="6367484"/>
+      </p:ext>
+    </p:extLst>
+  </p:cSld>
+  <p:clrMapOvr>
+    <a:masterClrMapping/>
+  </p:clrMapOvr>
+  <p:timing>
+    <p:tnLst>
+      <p:par>
+        <p:cTn id="1" dur="indefinite" restart="never" nodeType="tmRoot"/>
+      </p:par>
+    </p:tnLst>
+  </p:timing>
+</p:sld>
+</file>
+
+<file path=ppt/slides/slide8.xml><?xml version="1.0" encoding="utf-8"?>
+<p:sld xmlns:a="http://schemas.openxmlformats.org/drawingml/2006/main" xmlns:r="http://schemas.openxmlformats.org/officeDocument/2006/relationships" xmlns:p="http://schemas.openxmlformats.org/presentationml/2006/main">
+  <p:cSld>
+    <p:spTree>
+      <p:nvGrpSpPr>
+        <p:cNvPr id="1" name=""/>
+        <p:cNvGrpSpPr/>
+        <p:nvPr/>
+      </p:nvGrpSpPr>
+      <p:grpSpPr>
+        <a:xfrm>
+          <a:off x="0" y="0"/>
+          <a:ext cx="0" cy="0"/>
+          <a:chOff x="0" y="0"/>
+          <a:chExt cx="0" cy="0"/>
+        </a:xfrm>
+      </p:grpSpPr>
+      <p:sp>
+        <p:nvSpPr>
+          <p:cNvPr id="5" name="內容版面配置區 4"/>
+          <p:cNvSpPr>
+            <a:spLocks noGrp="1"/>
+          </p:cNvSpPr>
+          <p:nvPr>
+            <p:ph idx="1"/>
+          </p:nvPr>
+        </p:nvSpPr>
+        <p:spPr>
+          <a:xfrm>
+            <a:off x="0" y="2084851"/>
+            <a:ext cx="12192000" cy="2404863"/>
+          </a:xfrm>
+        </p:spPr>
+        <p:txBody>
+          <a:bodyPr anchor="ctr">
+            <a:normAutofit/>
+          </a:bodyPr>
+          <a:lstStyle/>
+          <a:p>
+            <a:pPr marL="0" indent="0" algn="ctr">
+              <a:buNone/>
+            </a:pPr>
+            <a:r>
+              <a:rPr lang="zh-CN" altLang="zh-TW" sz="6400" b="1" dirty="0">
+                <a:solidFill>
+                  <a:srgbClr val="660033"/>
+                </a:solidFill>
+                <a:latin typeface="Microsoft JhengHei" pitchFamily="34" charset="-120"/>
+                <a:ea typeface="Microsoft JhengHei" pitchFamily="34" charset="-120"/>
+              </a:rPr>
+              <a:t>主耶和華因罪動</a:t>
+            </a:r>
+            <a:r>
+              <a:rPr lang="zh-CN" altLang="zh-TW" sz="6400" b="1" dirty="0">
+                <a:solidFill>
+                  <a:srgbClr val="660033"/>
+                </a:solidFill>
+                <a:latin typeface="Microsoft JhengHei" pitchFamily="34" charset="-120"/>
+                <a:ea typeface="Microsoft JhengHei" pitchFamily="34" charset="-120"/>
+              </a:rPr>
+              <a:t>怒</a:t>
+            </a:r>
+            <a:endParaRPr lang="en-US" altLang="zh-CN" sz="6400" b="1" dirty="0">
+              <a:solidFill>
+                <a:srgbClr val="660033"/>
+              </a:solidFill>
+              <a:latin typeface="Microsoft JhengHei" pitchFamily="34" charset="-120"/>
+              <a:ea typeface="Microsoft JhengHei" pitchFamily="34" charset="-120"/>
+            </a:endParaRPr>
+          </a:p>
+          <a:p>
+            <a:pPr marL="0" indent="0" algn="ctr">
+              <a:buNone/>
+            </a:pPr>
+            <a:r>
+              <a:rPr lang="zh-CN" altLang="zh-TW" sz="6400" b="1" dirty="0">
+                <a:solidFill>
+                  <a:srgbClr val="660033"/>
+                </a:solidFill>
+                <a:latin typeface="Microsoft JhengHei" pitchFamily="34" charset="-120"/>
+                <a:ea typeface="Microsoft JhengHei" pitchFamily="34" charset="-120"/>
+              </a:rPr>
+              <a:t>震</a:t>
+            </a:r>
+            <a:r>
+              <a:rPr lang="zh-CN" altLang="zh-TW" sz="6400" b="1" dirty="0">
+                <a:solidFill>
+                  <a:srgbClr val="660033"/>
+                </a:solidFill>
+                <a:latin typeface="Microsoft JhengHei" pitchFamily="34" charset="-120"/>
+                <a:ea typeface="Microsoft JhengHei" pitchFamily="34" charset="-120"/>
+              </a:rPr>
+              <a:t>怒落在主頭</a:t>
+            </a:r>
+          </a:p>
+        </p:txBody>
+      </p:sp>
+      <p:sp>
+        <p:nvSpPr>
+          <p:cNvPr id="3" name="TextBox 2"/>
+          <p:cNvSpPr txBox="1"/>
+          <p:nvPr/>
+        </p:nvSpPr>
+        <p:spPr>
+          <a:xfrm>
+            <a:off x="0" y="5061182"/>
+            <a:ext cx="12192000" cy="830997"/>
+          </a:xfrm>
+          <a:prstGeom prst="rect">
+            <a:avLst/>
+          </a:prstGeom>
+          <a:noFill/>
+        </p:spPr>
+        <p:txBody>
+          <a:bodyPr wrap="square" rtlCol="0">
+            <a:spAutoFit/>
+          </a:bodyPr>
+          <a:lstStyle/>
+          <a:p>
+            <a:pPr algn="ctr"/>
+            <a:r>
+              <a:rPr lang="en-US" sz="4800" b="1" dirty="0">
+                <a:solidFill>
+                  <a:srgbClr val="660033"/>
+                </a:solidFill>
+              </a:rPr>
+              <a:t>( </a:t>
+            </a:r>
+            <a:r>
+              <a:rPr lang="en-US" sz="4800" b="1" dirty="0" smtClean="0">
+                <a:solidFill>
+                  <a:srgbClr val="660033"/>
+                </a:solidFill>
+              </a:rPr>
+              <a:t>3 </a:t>
+            </a:r>
+            <a:r>
+              <a:rPr lang="en-US" sz="4800" b="1" dirty="0">
+                <a:solidFill>
+                  <a:srgbClr val="660033"/>
+                </a:solidFill>
+              </a:rPr>
+              <a:t>)</a:t>
+            </a:r>
+            <a:endParaRPr lang="vi-VN" sz="4800" b="1" dirty="0">
+              <a:solidFill>
+                <a:srgbClr val="660033"/>
+              </a:solidFill>
+            </a:endParaRPr>
+          </a:p>
+        </p:txBody>
+      </p:sp>
+    </p:spTree>
+    <p:extLst>
+      <p:ext uri="{BB962C8B-B14F-4D97-AF65-F5344CB8AC3E}">
+        <p14:creationId xmlns:p14="http://schemas.microsoft.com/office/powerpoint/2010/main" val="421838427"/>
+      </p:ext>
+    </p:extLst>
+  </p:cSld>
+  <p:clrMapOvr>
+    <a:masterClrMapping/>
+  </p:clrMapOvr>
+  <p:timing>
+    <p:tnLst>
+      <p:par>
+        <p:cTn id="1" dur="indefinite" restart="never" nodeType="tmRoot"/>
+      </p:par>
+    </p:tnLst>
+  </p:timing>
+</p:sld>
+</file>
+
+<file path=ppt/slides/slide9.xml><?xml version="1.0" encoding="utf-8"?>
+<p:sld xmlns:a="http://schemas.openxmlformats.org/drawingml/2006/main" xmlns:r="http://schemas.openxmlformats.org/officeDocument/2006/relationships" xmlns:p="http://schemas.openxmlformats.org/presentationml/2006/main">
+  <p:cSld>
+    <p:spTree>
+      <p:nvGrpSpPr>
+        <p:cNvPr id="1" name=""/>
+        <p:cNvGrpSpPr/>
+        <p:nvPr/>
+      </p:nvGrpSpPr>
+      <p:grpSpPr>
+        <a:xfrm>
+          <a:off x="0" y="0"/>
+          <a:ext cx="0" cy="0"/>
+          <a:chOff x="0" y="0"/>
+          <a:chExt cx="0" cy="0"/>
+        </a:xfrm>
+      </p:grpSpPr>
+      <p:sp>
+        <p:nvSpPr>
+          <p:cNvPr id="5" name="內容版面配置區 4"/>
+          <p:cNvSpPr>
+            <a:spLocks noGrp="1"/>
+          </p:cNvSpPr>
+          <p:nvPr>
+            <p:ph idx="1"/>
+          </p:nvPr>
+        </p:nvSpPr>
+        <p:spPr>
+          <a:xfrm>
+            <a:off x="0" y="2084851"/>
+            <a:ext cx="12192000" cy="2404863"/>
+          </a:xfrm>
+        </p:spPr>
+        <p:txBody>
+          <a:bodyPr anchor="ctr">
+            <a:normAutofit/>
+          </a:bodyPr>
+          <a:lstStyle/>
+          <a:p>
+            <a:pPr marL="0" indent="0" algn="ctr">
+              <a:buNone/>
+            </a:pPr>
+            <a:r>
+              <a:rPr lang="zh-CN" altLang="zh-TW" sz="6400" b="1" dirty="0">
+                <a:solidFill>
+                  <a:srgbClr val="660033"/>
+                </a:solidFill>
+                <a:latin typeface="Microsoft JhengHei" pitchFamily="34" charset="-120"/>
+                <a:ea typeface="Microsoft JhengHei" pitchFamily="34" charset="-120"/>
+              </a:rPr>
+              <a:t>奇哉神怒都落在</a:t>
+            </a:r>
+            <a:r>
+              <a:rPr lang="zh-CN" altLang="zh-TW" sz="6400" b="1" dirty="0">
+                <a:solidFill>
+                  <a:srgbClr val="660033"/>
+                </a:solidFill>
+                <a:latin typeface="Microsoft JhengHei" pitchFamily="34" charset="-120"/>
+                <a:ea typeface="Microsoft JhengHei" pitchFamily="34" charset="-120"/>
+              </a:rPr>
+              <a:t>主</a:t>
+            </a:r>
+            <a:endParaRPr lang="en-US" altLang="zh-CN" sz="6400" b="1" dirty="0">
+              <a:solidFill>
+                <a:srgbClr val="660033"/>
+              </a:solidFill>
+              <a:latin typeface="Microsoft JhengHei" pitchFamily="34" charset="-120"/>
+              <a:ea typeface="Microsoft JhengHei" pitchFamily="34" charset="-120"/>
+            </a:endParaRPr>
+          </a:p>
+          <a:p>
+            <a:pPr marL="0" indent="0" algn="ctr">
+              <a:buNone/>
+            </a:pPr>
+            <a:r>
+              <a:rPr lang="zh-CN" altLang="zh-TW" sz="6400" b="1" dirty="0">
+                <a:solidFill>
+                  <a:srgbClr val="660033"/>
+                </a:solidFill>
+                <a:latin typeface="Microsoft JhengHei" pitchFamily="34" charset="-120"/>
+                <a:ea typeface="Microsoft JhengHei" pitchFamily="34" charset="-120"/>
+              </a:rPr>
+              <a:t>今</a:t>
+            </a:r>
+            <a:r>
+              <a:rPr lang="zh-CN" altLang="zh-TW" sz="6400" b="1" dirty="0">
+                <a:solidFill>
+                  <a:srgbClr val="660033"/>
+                </a:solidFill>
+                <a:latin typeface="Microsoft JhengHei" pitchFamily="34" charset="-120"/>
+                <a:ea typeface="Microsoft JhengHei" pitchFamily="34" charset="-120"/>
+              </a:rPr>
+              <a:t>我蒙恩深厚</a:t>
+            </a:r>
+            <a:endParaRPr lang="en-US" altLang="zh-CN" sz="6400" b="1" dirty="0">
+              <a:solidFill>
+                <a:srgbClr val="660033"/>
+              </a:solidFill>
+              <a:latin typeface="Microsoft JhengHei" pitchFamily="34" charset="-120"/>
+              <a:ea typeface="Microsoft JhengHei" pitchFamily="34" charset="-120"/>
+            </a:endParaRPr>
+          </a:p>
+        </p:txBody>
+      </p:sp>
+      <p:sp>
+        <p:nvSpPr>
+          <p:cNvPr id="3" name="TextBox 2"/>
+          <p:cNvSpPr txBox="1"/>
+          <p:nvPr/>
+        </p:nvSpPr>
+        <p:spPr>
+          <a:xfrm>
+            <a:off x="0" y="5061182"/>
+            <a:ext cx="12192000" cy="830997"/>
+          </a:xfrm>
+          <a:prstGeom prst="rect">
+            <a:avLst/>
+          </a:prstGeom>
+          <a:noFill/>
+        </p:spPr>
+        <p:txBody>
+          <a:bodyPr wrap="square" rtlCol="0">
+            <a:spAutoFit/>
+          </a:bodyPr>
+          <a:lstStyle/>
+          <a:p>
+            <a:pPr algn="ctr"/>
+            <a:r>
+              <a:rPr lang="en-US" sz="4800" b="1" dirty="0">
+                <a:solidFill>
+                  <a:srgbClr val="660033"/>
+                </a:solidFill>
+              </a:rPr>
+              <a:t>( </a:t>
+            </a:r>
+            <a:r>
+              <a:rPr lang="en-US" sz="4800" b="1" dirty="0" smtClean="0">
+                <a:solidFill>
+                  <a:srgbClr val="660033"/>
+                </a:solidFill>
+              </a:rPr>
+              <a:t>3 </a:t>
+            </a:r>
+            <a:r>
+              <a:rPr lang="en-US" sz="4800" b="1" dirty="0">
+                <a:solidFill>
+                  <a:srgbClr val="660033"/>
+                </a:solidFill>
+              </a:rPr>
+              <a:t>)</a:t>
+            </a:r>
+            <a:endParaRPr lang="vi-VN" sz="4800" b="1" dirty="0">
+              <a:solidFill>
+                <a:srgbClr val="660033"/>
+              </a:solidFill>
+            </a:endParaRPr>
+          </a:p>
+        </p:txBody>
+      </p:sp>
+    </p:spTree>
+    <p:extLst>
+      <p:ext uri="{BB962C8B-B14F-4D97-AF65-F5344CB8AC3E}">
+        <p14:creationId xmlns:p14="http://schemas.microsoft.com/office/powerpoint/2010/main" val="3889315005"/>
       </p:ext>
     </p:extLst>
   </p:cSld>
